--- a/ring/fig/blockface.pptx
+++ b/ring/fig/blockface.pptx
@@ -259,7 +259,7 @@
           <a:p>
             <a:fld id="{0915E5ED-7A2F-CB49-9CB6-5CBB2F94BCE4}" type="datetimeFigureOut">
               <a:rPr lang="en-US" smtClean="0"/>
-              <a:t>8/1/21</a:t>
+              <a:t>8/4/21</a:t>
             </a:fld>
             <a:endParaRPr lang="en-US"/>
           </a:p>
@@ -457,7 +457,7 @@
           <a:p>
             <a:fld id="{0915E5ED-7A2F-CB49-9CB6-5CBB2F94BCE4}" type="datetimeFigureOut">
               <a:rPr lang="en-US" smtClean="0"/>
-              <a:t>8/1/21</a:t>
+              <a:t>8/4/21</a:t>
             </a:fld>
             <a:endParaRPr lang="en-US"/>
           </a:p>
@@ -665,7 +665,7 @@
           <a:p>
             <a:fld id="{0915E5ED-7A2F-CB49-9CB6-5CBB2F94BCE4}" type="datetimeFigureOut">
               <a:rPr lang="en-US" smtClean="0"/>
-              <a:t>8/1/21</a:t>
+              <a:t>8/4/21</a:t>
             </a:fld>
             <a:endParaRPr lang="en-US"/>
           </a:p>
@@ -863,7 +863,7 @@
           <a:p>
             <a:fld id="{0915E5ED-7A2F-CB49-9CB6-5CBB2F94BCE4}" type="datetimeFigureOut">
               <a:rPr lang="en-US" smtClean="0"/>
-              <a:t>8/1/21</a:t>
+              <a:t>8/4/21</a:t>
             </a:fld>
             <a:endParaRPr lang="en-US"/>
           </a:p>
@@ -1138,7 +1138,7 @@
           <a:p>
             <a:fld id="{0915E5ED-7A2F-CB49-9CB6-5CBB2F94BCE4}" type="datetimeFigureOut">
               <a:rPr lang="en-US" smtClean="0"/>
-              <a:t>8/1/21</a:t>
+              <a:t>8/4/21</a:t>
             </a:fld>
             <a:endParaRPr lang="en-US"/>
           </a:p>
@@ -1403,7 +1403,7 @@
           <a:p>
             <a:fld id="{0915E5ED-7A2F-CB49-9CB6-5CBB2F94BCE4}" type="datetimeFigureOut">
               <a:rPr lang="en-US" smtClean="0"/>
-              <a:t>8/1/21</a:t>
+              <a:t>8/4/21</a:t>
             </a:fld>
             <a:endParaRPr lang="en-US"/>
           </a:p>
@@ -1815,7 +1815,7 @@
           <a:p>
             <a:fld id="{0915E5ED-7A2F-CB49-9CB6-5CBB2F94BCE4}" type="datetimeFigureOut">
               <a:rPr lang="en-US" smtClean="0"/>
-              <a:t>8/1/21</a:t>
+              <a:t>8/4/21</a:t>
             </a:fld>
             <a:endParaRPr lang="en-US"/>
           </a:p>
@@ -1956,7 +1956,7 @@
           <a:p>
             <a:fld id="{0915E5ED-7A2F-CB49-9CB6-5CBB2F94BCE4}" type="datetimeFigureOut">
               <a:rPr lang="en-US" smtClean="0"/>
-              <a:t>8/1/21</a:t>
+              <a:t>8/4/21</a:t>
             </a:fld>
             <a:endParaRPr lang="en-US"/>
           </a:p>
@@ -2069,7 +2069,7 @@
           <a:p>
             <a:fld id="{0915E5ED-7A2F-CB49-9CB6-5CBB2F94BCE4}" type="datetimeFigureOut">
               <a:rPr lang="en-US" smtClean="0"/>
-              <a:t>8/1/21</a:t>
+              <a:t>8/4/21</a:t>
             </a:fld>
             <a:endParaRPr lang="en-US"/>
           </a:p>
@@ -2380,7 +2380,7 @@
           <a:p>
             <a:fld id="{0915E5ED-7A2F-CB49-9CB6-5CBB2F94BCE4}" type="datetimeFigureOut">
               <a:rPr lang="en-US" smtClean="0"/>
-              <a:t>8/1/21</a:t>
+              <a:t>8/4/21</a:t>
             </a:fld>
             <a:endParaRPr lang="en-US"/>
           </a:p>
@@ -2668,7 +2668,7 @@
           <a:p>
             <a:fld id="{0915E5ED-7A2F-CB49-9CB6-5CBB2F94BCE4}" type="datetimeFigureOut">
               <a:rPr lang="en-US" smtClean="0"/>
-              <a:t>8/1/21</a:t>
+              <a:t>8/4/21</a:t>
             </a:fld>
             <a:endParaRPr lang="en-US"/>
           </a:p>
@@ -2909,7 +2909,7 @@
           <a:p>
             <a:fld id="{0915E5ED-7A2F-CB49-9CB6-5CBB2F94BCE4}" type="datetimeFigureOut">
               <a:rPr lang="en-US" smtClean="0"/>
-              <a:t>8/1/21</a:t>
+              <a:t>8/4/21</a:t>
             </a:fld>
             <a:endParaRPr lang="en-US"/>
           </a:p>
@@ -3476,258 +3476,6 @@
         <mc:Choice Requires="a14">
           <p:sp>
             <p:nvSpPr>
-              <p:cNvPr id="41" name="TextBox 40">
-                <a:extLst>
-                  <a:ext uri="{FF2B5EF4-FFF2-40B4-BE49-F238E27FC236}">
-                    <a16:creationId xmlns:a16="http://schemas.microsoft.com/office/drawing/2014/main" id="{91B8E58F-5E6F-F047-A455-DFA502D533F2}"/>
-                  </a:ext>
-                </a:extLst>
-              </p:cNvPr>
-              <p:cNvSpPr txBox="1"/>
-              <p:nvPr/>
-            </p:nvSpPr>
-            <p:spPr>
-              <a:xfrm>
-                <a:off x="7024157" y="1269701"/>
-                <a:ext cx="1781504" cy="461665"/>
-              </a:xfrm>
-              <a:prstGeom prst="rect">
-                <a:avLst/>
-              </a:prstGeom>
-              <a:noFill/>
-            </p:spPr>
-            <p:txBody>
-              <a:bodyPr wrap="square" rtlCol="0">
-                <a:spAutoFit/>
-              </a:bodyPr>
-              <a:lstStyle/>
-              <a:p>
-                <a:r>
-                  <a:rPr lang="en-US" altLang="zh-CN" sz="2400" dirty="0">
-                    <a:latin typeface="DM Sans" pitchFamily="2" charset="77"/>
-                  </a:rPr>
-                  <a:t>State</a:t>
-                </a:r>
-                <a:r>
-                  <a:rPr lang="zh-CN" altLang="en-US" sz="2400" dirty="0">
-                    <a:latin typeface="DM Sans" pitchFamily="2" charset="77"/>
-                  </a:rPr>
-                  <a:t> </a:t>
-                </a:r>
-                <a14:m>
-                  <m:oMath xmlns:m="http://schemas.openxmlformats.org/officeDocument/2006/math">
-                    <m:sSub>
-                      <m:sSubPr>
-                        <m:ctrlPr>
-                          <a:rPr lang="en-US" altLang="zh-CN" sz="2400" i="1" smtClean="0">
-                            <a:latin typeface="Cambria Math" panose="02040503050406030204" pitchFamily="18" charset="0"/>
-                          </a:rPr>
-                        </m:ctrlPr>
-                      </m:sSubPr>
-                      <m:e>
-                        <m:r>
-                          <a:rPr lang="en-US" altLang="zh-CN" sz="2400" b="0" i="1" smtClean="0">
-                            <a:latin typeface="Cambria Math" panose="02040503050406030204" pitchFamily="18" charset="0"/>
-                          </a:rPr>
-                          <m:t>𝑠</m:t>
-                        </m:r>
-                      </m:e>
-                      <m:sub>
-                        <m:r>
-                          <a:rPr lang="en-US" altLang="zh-CN" sz="2400" b="0" i="1" smtClean="0">
-                            <a:latin typeface="Cambria Math" panose="02040503050406030204" pitchFamily="18" charset="0"/>
-                          </a:rPr>
-                          <m:t>𝑡</m:t>
-                        </m:r>
-                      </m:sub>
-                    </m:sSub>
-                  </m:oMath>
-                </a14:m>
-                <a:endParaRPr lang="en-US" sz="2400" dirty="0">
-                  <a:latin typeface="DM Sans" pitchFamily="2" charset="77"/>
-                </a:endParaRPr>
-              </a:p>
-            </p:txBody>
-          </p:sp>
-        </mc:Choice>
-        <mc:Fallback xmlns="">
-          <p:sp>
-            <p:nvSpPr>
-              <p:cNvPr id="41" name="TextBox 40">
-                <a:extLst>
-                  <a:ext uri="{FF2B5EF4-FFF2-40B4-BE49-F238E27FC236}">
-                    <a16:creationId xmlns:a16="http://schemas.microsoft.com/office/drawing/2014/main" id="{91B8E58F-5E6F-F047-A455-DFA502D533F2}"/>
-                  </a:ext>
-                </a:extLst>
-              </p:cNvPr>
-              <p:cNvSpPr txBox="1">
-                <a:spLocks noRot="1" noChangeAspect="1" noMove="1" noResize="1" noEditPoints="1" noAdjustHandles="1" noChangeArrowheads="1" noChangeShapeType="1" noTextEdit="1"/>
-              </p:cNvSpPr>
-              <p:nvPr/>
-            </p:nvSpPr>
-            <p:spPr>
-              <a:xfrm>
-                <a:off x="7024157" y="1269701"/>
-                <a:ext cx="1781504" cy="461665"/>
-              </a:xfrm>
-              <a:prstGeom prst="rect">
-                <a:avLst/>
-              </a:prstGeom>
-              <a:blipFill>
-                <a:blip r:embed="rId2"/>
-                <a:stretch>
-                  <a:fillRect l="-4930" t="-7895" b="-28947"/>
-                </a:stretch>
-              </a:blipFill>
-            </p:spPr>
-            <p:txBody>
-              <a:bodyPr/>
-              <a:lstStyle/>
-              <a:p>
-                <a:r>
-                  <a:rPr lang="en-US">
-                    <a:noFill/>
-                  </a:rPr>
-                  <a:t> </a:t>
-                </a:r>
-              </a:p>
-            </p:txBody>
-          </p:sp>
-        </mc:Fallback>
-      </mc:AlternateContent>
-      <mc:AlternateContent xmlns:mc="http://schemas.openxmlformats.org/markup-compatibility/2006" xmlns:a14="http://schemas.microsoft.com/office/drawing/2010/main">
-        <mc:Choice Requires="a14">
-          <p:sp>
-            <p:nvSpPr>
-              <p:cNvPr id="45" name="TextBox 44">
-                <a:extLst>
-                  <a:ext uri="{FF2B5EF4-FFF2-40B4-BE49-F238E27FC236}">
-                    <a16:creationId xmlns:a16="http://schemas.microsoft.com/office/drawing/2014/main" id="{90E8EDC8-122D-FE4F-9FCD-3EDDE590B181}"/>
-                  </a:ext>
-                </a:extLst>
-              </p:cNvPr>
-              <p:cNvSpPr txBox="1"/>
-              <p:nvPr/>
-            </p:nvSpPr>
-            <p:spPr>
-              <a:xfrm>
-                <a:off x="7001333" y="2522200"/>
-                <a:ext cx="2273043" cy="461665"/>
-              </a:xfrm>
-              <a:prstGeom prst="rect">
-                <a:avLst/>
-              </a:prstGeom>
-              <a:noFill/>
-            </p:spPr>
-            <p:txBody>
-              <a:bodyPr wrap="square" rtlCol="0">
-                <a:spAutoFit/>
-              </a:bodyPr>
-              <a:lstStyle/>
-              <a:p>
-                <a:r>
-                  <a:rPr lang="en-US" altLang="zh-CN" sz="2400" dirty="0">
-                    <a:latin typeface="DM Sans" pitchFamily="2" charset="77"/>
-                  </a:rPr>
-                  <a:t>Reward</a:t>
-                </a:r>
-                <a:r>
-                  <a:rPr lang="zh-CN" altLang="en-US" sz="2400" dirty="0">
-                    <a:latin typeface="DM Sans" pitchFamily="2" charset="77"/>
-                  </a:rPr>
-                  <a:t> </a:t>
-                </a:r>
-                <a14:m>
-                  <m:oMath xmlns:m="http://schemas.openxmlformats.org/officeDocument/2006/math">
-                    <m:sSub>
-                      <m:sSubPr>
-                        <m:ctrlPr>
-                          <a:rPr lang="en-US" altLang="zh-CN" sz="2400" i="1" smtClean="0">
-                            <a:latin typeface="Cambria Math" panose="02040503050406030204" pitchFamily="18" charset="0"/>
-                          </a:rPr>
-                        </m:ctrlPr>
-                      </m:sSubPr>
-                      <m:e>
-                        <m:r>
-                          <a:rPr lang="en-US" altLang="zh-CN" sz="2400" b="0" i="1" smtClean="0">
-                            <a:latin typeface="Cambria Math" panose="02040503050406030204" pitchFamily="18" charset="0"/>
-                          </a:rPr>
-                          <m:t>𝑟</m:t>
-                        </m:r>
-                      </m:e>
-                      <m:sub>
-                        <m:r>
-                          <a:rPr lang="en-US" altLang="zh-CN" sz="2400" b="0" i="1" smtClean="0">
-                            <a:latin typeface="Cambria Math" panose="02040503050406030204" pitchFamily="18" charset="0"/>
-                          </a:rPr>
-                          <m:t>𝑡</m:t>
-                        </m:r>
-                        <m:r>
-                          <a:rPr lang="en-US" altLang="zh-CN" sz="2400" b="0" i="1" smtClean="0">
-                            <a:latin typeface="Cambria Math" panose="02040503050406030204" pitchFamily="18" charset="0"/>
-                          </a:rPr>
-                          <m:t>−1</m:t>
-                        </m:r>
-                      </m:sub>
-                    </m:sSub>
-                  </m:oMath>
-                </a14:m>
-                <a:endParaRPr lang="en-US" sz="2400" dirty="0">
-                  <a:latin typeface="DM Sans" pitchFamily="2" charset="77"/>
-                </a:endParaRPr>
-              </a:p>
-            </p:txBody>
-          </p:sp>
-        </mc:Choice>
-        <mc:Fallback xmlns="">
-          <p:sp>
-            <p:nvSpPr>
-              <p:cNvPr id="45" name="TextBox 44">
-                <a:extLst>
-                  <a:ext uri="{FF2B5EF4-FFF2-40B4-BE49-F238E27FC236}">
-                    <a16:creationId xmlns:a16="http://schemas.microsoft.com/office/drawing/2014/main" id="{90E8EDC8-122D-FE4F-9FCD-3EDDE590B181}"/>
-                  </a:ext>
-                </a:extLst>
-              </p:cNvPr>
-              <p:cNvSpPr txBox="1">
-                <a:spLocks noRot="1" noChangeAspect="1" noMove="1" noResize="1" noEditPoints="1" noAdjustHandles="1" noChangeArrowheads="1" noChangeShapeType="1" noTextEdit="1"/>
-              </p:cNvSpPr>
-              <p:nvPr/>
-            </p:nvSpPr>
-            <p:spPr>
-              <a:xfrm>
-                <a:off x="7001333" y="2522200"/>
-                <a:ext cx="2273043" cy="461665"/>
-              </a:xfrm>
-              <a:prstGeom prst="rect">
-                <a:avLst/>
-              </a:prstGeom>
-              <a:blipFill>
-                <a:blip r:embed="rId3"/>
-                <a:stretch>
-                  <a:fillRect l="-4444" t="-10811" b="-29730"/>
-                </a:stretch>
-              </a:blipFill>
-            </p:spPr>
-            <p:txBody>
-              <a:bodyPr/>
-              <a:lstStyle/>
-              <a:p>
-                <a:r>
-                  <a:rPr lang="en-US">
-                    <a:noFill/>
-                  </a:rPr>
-                  <a:t> </a:t>
-                </a:r>
-              </a:p>
-            </p:txBody>
-          </p:sp>
-        </mc:Fallback>
-      </mc:AlternateContent>
-      <mc:AlternateContent xmlns:mc="http://schemas.openxmlformats.org/markup-compatibility/2006" xmlns:a14="http://schemas.microsoft.com/office/drawing/2010/main">
-        <mc:Choice Requires="a14">
-          <p:sp>
-            <p:nvSpPr>
               <p:cNvPr id="46" name="TextBox 45">
                 <a:extLst>
                   <a:ext uri="{FF2B5EF4-FFF2-40B4-BE49-F238E27FC236}">
@@ -3854,94 +3602,6 @@
           </p:sp>
         </mc:Fallback>
       </mc:AlternateContent>
-      <p:cxnSp>
-        <p:nvCxnSpPr>
-          <p:cNvPr id="48" name="Straight Arrow Connector 47">
-            <a:extLst>
-              <a:ext uri="{FF2B5EF4-FFF2-40B4-BE49-F238E27FC236}">
-                <a16:creationId xmlns:a16="http://schemas.microsoft.com/office/drawing/2014/main" id="{3FAA61CC-E917-514B-9323-50DF3A627F5B}"/>
-              </a:ext>
-            </a:extLst>
-          </p:cNvPr>
-          <p:cNvCxnSpPr>
-            <a:cxnSpLocks/>
-          </p:cNvCxnSpPr>
-          <p:nvPr/>
-        </p:nvCxnSpPr>
-        <p:spPr>
-          <a:xfrm>
-            <a:off x="7024157" y="1783943"/>
-            <a:ext cx="1576450" cy="0"/>
-          </a:xfrm>
-          <a:prstGeom prst="straightConnector1">
-            <a:avLst/>
-          </a:prstGeom>
-          <a:ln w="25400">
-            <a:solidFill>
-              <a:schemeClr val="tx1"/>
-            </a:solidFill>
-            <a:tailEnd type="triangle" w="lg" len="lg"/>
-          </a:ln>
-        </p:spPr>
-        <p:style>
-          <a:lnRef idx="1">
-            <a:schemeClr val="accent1"/>
-          </a:lnRef>
-          <a:fillRef idx="0">
-            <a:schemeClr val="accent1"/>
-          </a:fillRef>
-          <a:effectRef idx="0">
-            <a:schemeClr val="accent1"/>
-          </a:effectRef>
-          <a:fontRef idx="minor">
-            <a:schemeClr val="tx1"/>
-          </a:fontRef>
-        </p:style>
-      </p:cxnSp>
-      <p:cxnSp>
-        <p:nvCxnSpPr>
-          <p:cNvPr id="54" name="Straight Arrow Connector 53">
-            <a:extLst>
-              <a:ext uri="{FF2B5EF4-FFF2-40B4-BE49-F238E27FC236}">
-                <a16:creationId xmlns:a16="http://schemas.microsoft.com/office/drawing/2014/main" id="{69BEF1CE-F475-2049-BDB4-6C8E67AC85CD}"/>
-              </a:ext>
-            </a:extLst>
-          </p:cNvPr>
-          <p:cNvCxnSpPr>
-            <a:cxnSpLocks/>
-          </p:cNvCxnSpPr>
-          <p:nvPr/>
-        </p:nvCxnSpPr>
-        <p:spPr>
-          <a:xfrm>
-            <a:off x="7024157" y="2275911"/>
-            <a:ext cx="1576450" cy="0"/>
-          </a:xfrm>
-          <a:prstGeom prst="straightConnector1">
-            <a:avLst/>
-          </a:prstGeom>
-          <a:ln w="25400">
-            <a:solidFill>
-              <a:schemeClr val="tx1"/>
-            </a:solidFill>
-            <a:tailEnd type="triangle" w="lg" len="lg"/>
-          </a:ln>
-        </p:spPr>
-        <p:style>
-          <a:lnRef idx="1">
-            <a:schemeClr val="accent1"/>
-          </a:lnRef>
-          <a:fillRef idx="0">
-            <a:schemeClr val="accent1"/>
-          </a:fillRef>
-          <a:effectRef idx="0">
-            <a:schemeClr val="accent1"/>
-          </a:effectRef>
-          <a:fontRef idx="minor">
-            <a:schemeClr val="tx1"/>
-          </a:fontRef>
-        </p:style>
-      </p:cxnSp>
       <p:grpSp>
         <p:nvGrpSpPr>
           <p:cNvPr id="19" name="Group 18">
@@ -3956,10 +3616,10 @@
         </p:nvGrpSpPr>
         <p:grpSpPr>
           <a:xfrm>
-            <a:off x="7024157" y="5175325"/>
-            <a:ext cx="3777412" cy="621616"/>
-            <a:chOff x="6994940" y="5095396"/>
-            <a:chExt cx="3777412" cy="621616"/>
+            <a:off x="7024157" y="5471008"/>
+            <a:ext cx="3777412" cy="325933"/>
+            <a:chOff x="6994940" y="5391079"/>
+            <a:chExt cx="3777412" cy="325933"/>
           </a:xfrm>
         </p:grpSpPr>
         <p:cxnSp>
@@ -4017,14 +3677,13 @@
             </p:cNvPr>
             <p:cNvCxnSpPr>
               <a:cxnSpLocks/>
-              <a:endCxn id="87" idx="2"/>
             </p:cNvCxnSpPr>
             <p:nvPr/>
           </p:nvCxnSpPr>
           <p:spPr>
             <a:xfrm flipV="1">
-              <a:off x="10772352" y="5095396"/>
-              <a:ext cx="0" cy="621616"/>
+              <a:off x="10772352" y="5391079"/>
+              <a:ext cx="0" cy="325933"/>
             </a:xfrm>
             <a:prstGeom prst="straightConnector1">
               <a:avLst/>
@@ -4066,7 +3725,7 @@
         </p:nvGrpSpPr>
         <p:grpSpPr>
           <a:xfrm>
-            <a:off x="10483620" y="3131790"/>
+            <a:off x="10483620" y="3844309"/>
             <a:ext cx="549667" cy="1031670"/>
             <a:chOff x="9023278" y="3362528"/>
             <a:chExt cx="549667" cy="1031670"/>
@@ -4303,8 +3962,8 @@
         </p:nvSpPr>
         <p:spPr>
           <a:xfrm>
-            <a:off x="9265131" y="4344328"/>
-            <a:ext cx="3072876" cy="830997"/>
+            <a:off x="9265131" y="4997472"/>
+            <a:ext cx="3072876" cy="461665"/>
           </a:xfrm>
           <a:prstGeom prst="rect">
             <a:avLst/>
@@ -4322,13 +3981,7 @@
               <a:rPr lang="en-US" altLang="zh-CN" sz="2400" dirty="0">
                 <a:latin typeface="DM Sans" pitchFamily="2" charset="77"/>
               </a:rPr>
-              <a:t>RL-CSM-</a:t>
-            </a:r>
-            <a:r>
-              <a:rPr lang="en-US" altLang="zh-CN" sz="2400" dirty="0" err="1">
-                <a:latin typeface="DM Sans" pitchFamily="2" charset="77"/>
-              </a:rPr>
-              <a:t>blockface</a:t>
+              <a:t>RL</a:t>
             </a:r>
             <a:r>
               <a:rPr lang="zh-CN" altLang="en-US" sz="2400" dirty="0">
@@ -4336,17 +3989,11 @@
               </a:rPr>
               <a:t> </a:t>
             </a:r>
-            <a:endParaRPr lang="en-US" altLang="zh-CN" sz="2400" dirty="0">
-              <a:latin typeface="DM Sans" pitchFamily="2" charset="77"/>
-            </a:endParaRPr>
-          </a:p>
-          <a:p>
-            <a:pPr algn="ctr"/>
             <a:r>
               <a:rPr lang="en-US" altLang="zh-CN" sz="2400" dirty="0">
                 <a:latin typeface="DM Sans" pitchFamily="2" charset="77"/>
               </a:rPr>
-              <a:t>Agent</a:t>
+              <a:t>agent</a:t>
             </a:r>
             <a:endParaRPr lang="en-US" sz="2400" dirty="0">
               <a:latin typeface="DM Sans" pitchFamily="2" charset="77"/>
@@ -4354,479 +4001,840 @@
           </a:p>
         </p:txBody>
       </p:sp>
-      <p:cxnSp>
-        <p:nvCxnSpPr>
-          <p:cNvPr id="88" name="Straight Arrow Connector 87">
-            <a:extLst>
-              <a:ext uri="{FF2B5EF4-FFF2-40B4-BE49-F238E27FC236}">
-                <a16:creationId xmlns:a16="http://schemas.microsoft.com/office/drawing/2014/main" id="{A2A2FFE0-84FD-F744-B21F-5A0C4A00D274}"/>
-              </a:ext>
-            </a:extLst>
-          </p:cNvPr>
-          <p:cNvCxnSpPr>
-            <a:cxnSpLocks/>
-          </p:cNvCxnSpPr>
+      <p:grpSp>
+        <p:nvGrpSpPr>
+          <p:cNvPr id="9" name="Group 8">
+            <a:extLst>
+              <a:ext uri="{FF2B5EF4-FFF2-40B4-BE49-F238E27FC236}">
+                <a16:creationId xmlns:a16="http://schemas.microsoft.com/office/drawing/2014/main" id="{88D32DE0-5427-F342-A06C-4E363AF0FBE9}"/>
+              </a:ext>
+            </a:extLst>
+          </p:cNvPr>
+          <p:cNvGrpSpPr/>
           <p:nvPr/>
-        </p:nvCxnSpPr>
-        <p:spPr>
-          <a:xfrm flipV="1">
-            <a:off x="8605144" y="1523535"/>
-            <a:ext cx="1" cy="1168789"/>
+        </p:nvGrpSpPr>
+        <p:grpSpPr>
+          <a:xfrm>
+            <a:off x="7001333" y="2073264"/>
+            <a:ext cx="4176359" cy="1714164"/>
+            <a:chOff x="7001333" y="1269701"/>
+            <a:chExt cx="4176359" cy="1714164"/>
           </a:xfrm>
-          <a:prstGeom prst="straightConnector1">
-            <a:avLst/>
-          </a:prstGeom>
-          <a:ln w="38100">
-            <a:solidFill>
+        </p:grpSpPr>
+        <mc:AlternateContent xmlns:mc="http://schemas.openxmlformats.org/markup-compatibility/2006">
+          <mc:Choice xmlns:a14="http://schemas.microsoft.com/office/drawing/2010/main" Requires="a14">
+            <p:sp>
+              <p:nvSpPr>
+                <p:cNvPr id="41" name="TextBox 40">
+                  <a:extLst>
+                    <a:ext uri="{FF2B5EF4-FFF2-40B4-BE49-F238E27FC236}">
+                      <a16:creationId xmlns:a16="http://schemas.microsoft.com/office/drawing/2014/main" id="{91B8E58F-5E6F-F047-A455-DFA502D533F2}"/>
+                    </a:ext>
+                  </a:extLst>
+                </p:cNvPr>
+                <p:cNvSpPr txBox="1"/>
+                <p:nvPr/>
+              </p:nvSpPr>
+              <p:spPr>
+                <a:xfrm>
+                  <a:off x="7024157" y="1269701"/>
+                  <a:ext cx="1781504" cy="461665"/>
+                </a:xfrm>
+                <a:prstGeom prst="rect">
+                  <a:avLst/>
+                </a:prstGeom>
+                <a:noFill/>
+              </p:spPr>
+              <p:txBody>
+                <a:bodyPr wrap="square" rtlCol="0">
+                  <a:spAutoFit/>
+                </a:bodyPr>
+                <a:lstStyle/>
+                <a:p>
+                  <a:r>
+                    <a:rPr lang="en-US" altLang="zh-CN" sz="2400" dirty="0">
+                      <a:latin typeface="DM Sans" pitchFamily="2" charset="77"/>
+                    </a:rPr>
+                    <a:t>State</a:t>
+                  </a:r>
+                  <a:r>
+                    <a:rPr lang="zh-CN" altLang="en-US" sz="2400" dirty="0">
+                      <a:latin typeface="DM Sans" pitchFamily="2" charset="77"/>
+                    </a:rPr>
+                    <a:t> </a:t>
+                  </a:r>
+                  <a14:m>
+                    <m:oMath xmlns:m="http://schemas.openxmlformats.org/officeDocument/2006/math">
+                      <m:sSub>
+                        <m:sSubPr>
+                          <m:ctrlPr>
+                            <a:rPr lang="en-US" altLang="zh-CN" sz="2400" i="1" smtClean="0">
+                              <a:latin typeface="Cambria Math" panose="02040503050406030204" pitchFamily="18" charset="0"/>
+                            </a:rPr>
+                          </m:ctrlPr>
+                        </m:sSubPr>
+                        <m:e>
+                          <m:r>
+                            <a:rPr lang="en-US" altLang="zh-CN" sz="2400" b="0" i="1" smtClean="0">
+                              <a:latin typeface="Cambria Math" panose="02040503050406030204" pitchFamily="18" charset="0"/>
+                            </a:rPr>
+                            <m:t>𝑠</m:t>
+                          </m:r>
+                        </m:e>
+                        <m:sub>
+                          <m:r>
+                            <a:rPr lang="en-US" altLang="zh-CN" sz="2400" b="0" i="1" smtClean="0">
+                              <a:latin typeface="Cambria Math" panose="02040503050406030204" pitchFamily="18" charset="0"/>
+                            </a:rPr>
+                            <m:t>𝑡</m:t>
+                          </m:r>
+                        </m:sub>
+                      </m:sSub>
+                    </m:oMath>
+                  </a14:m>
+                  <a:endParaRPr lang="en-US" sz="2400" dirty="0">
+                    <a:latin typeface="DM Sans" pitchFamily="2" charset="77"/>
+                  </a:endParaRPr>
+                </a:p>
+              </p:txBody>
+            </p:sp>
+          </mc:Choice>
+          <mc:Fallback>
+            <p:sp>
+              <p:nvSpPr>
+                <p:cNvPr id="41" name="TextBox 40">
+                  <a:extLst>
+                    <a:ext uri="{FF2B5EF4-FFF2-40B4-BE49-F238E27FC236}">
+                      <a16:creationId xmlns:a16="http://schemas.microsoft.com/office/drawing/2014/main" id="{91B8E58F-5E6F-F047-A455-DFA502D533F2}"/>
+                    </a:ext>
+                  </a:extLst>
+                </p:cNvPr>
+                <p:cNvSpPr txBox="1">
+                  <a:spLocks noRot="1" noChangeAspect="1" noMove="1" noResize="1" noEditPoints="1" noAdjustHandles="1" noChangeArrowheads="1" noChangeShapeType="1" noTextEdit="1"/>
+                </p:cNvSpPr>
+                <p:nvPr/>
+              </p:nvSpPr>
+              <p:spPr>
+                <a:xfrm>
+                  <a:off x="7024157" y="1269701"/>
+                  <a:ext cx="1781504" cy="461665"/>
+                </a:xfrm>
+                <a:prstGeom prst="rect">
+                  <a:avLst/>
+                </a:prstGeom>
+                <a:blipFill>
+                  <a:blip r:embed="rId5"/>
+                  <a:stretch>
+                    <a:fillRect l="-4930" t="-10811" b="-29730"/>
+                  </a:stretch>
+                </a:blipFill>
+              </p:spPr>
+              <p:txBody>
+                <a:bodyPr/>
+                <a:lstStyle/>
+                <a:p>
+                  <a:r>
+                    <a:rPr lang="en-US">
+                      <a:noFill/>
+                    </a:rPr>
+                    <a:t> </a:t>
+                  </a:r>
+                </a:p>
+              </p:txBody>
+            </p:sp>
+          </mc:Fallback>
+        </mc:AlternateContent>
+        <mc:AlternateContent xmlns:mc="http://schemas.openxmlformats.org/markup-compatibility/2006">
+          <mc:Choice xmlns:a14="http://schemas.microsoft.com/office/drawing/2010/main" Requires="a14">
+            <p:sp>
+              <p:nvSpPr>
+                <p:cNvPr id="45" name="TextBox 44">
+                  <a:extLst>
+                    <a:ext uri="{FF2B5EF4-FFF2-40B4-BE49-F238E27FC236}">
+                      <a16:creationId xmlns:a16="http://schemas.microsoft.com/office/drawing/2014/main" id="{90E8EDC8-122D-FE4F-9FCD-3EDDE590B181}"/>
+                    </a:ext>
+                  </a:extLst>
+                </p:cNvPr>
+                <p:cNvSpPr txBox="1"/>
+                <p:nvPr/>
+              </p:nvSpPr>
+              <p:spPr>
+                <a:xfrm>
+                  <a:off x="7001333" y="2522200"/>
+                  <a:ext cx="2273043" cy="461665"/>
+                </a:xfrm>
+                <a:prstGeom prst="rect">
+                  <a:avLst/>
+                </a:prstGeom>
+                <a:noFill/>
+              </p:spPr>
+              <p:txBody>
+                <a:bodyPr wrap="square" rtlCol="0">
+                  <a:spAutoFit/>
+                </a:bodyPr>
+                <a:lstStyle/>
+                <a:p>
+                  <a:r>
+                    <a:rPr lang="en-US" altLang="zh-CN" sz="2400" dirty="0">
+                      <a:latin typeface="DM Sans" pitchFamily="2" charset="77"/>
+                    </a:rPr>
+                    <a:t>Reward</a:t>
+                  </a:r>
+                  <a:r>
+                    <a:rPr lang="zh-CN" altLang="en-US" sz="2400" dirty="0">
+                      <a:latin typeface="DM Sans" pitchFamily="2" charset="77"/>
+                    </a:rPr>
+                    <a:t> </a:t>
+                  </a:r>
+                  <a14:m>
+                    <m:oMath xmlns:m="http://schemas.openxmlformats.org/officeDocument/2006/math">
+                      <m:sSub>
+                        <m:sSubPr>
+                          <m:ctrlPr>
+                            <a:rPr lang="en-US" altLang="zh-CN" sz="2400" i="1" smtClean="0">
+                              <a:latin typeface="Cambria Math" panose="02040503050406030204" pitchFamily="18" charset="0"/>
+                            </a:rPr>
+                          </m:ctrlPr>
+                        </m:sSubPr>
+                        <m:e>
+                          <m:r>
+                            <a:rPr lang="en-US" altLang="zh-CN" sz="2400" b="0" i="1" smtClean="0">
+                              <a:latin typeface="Cambria Math" panose="02040503050406030204" pitchFamily="18" charset="0"/>
+                            </a:rPr>
+                            <m:t>𝑟</m:t>
+                          </m:r>
+                        </m:e>
+                        <m:sub>
+                          <m:r>
+                            <a:rPr lang="en-US" altLang="zh-CN" sz="2400" b="0" i="1" smtClean="0">
+                              <a:latin typeface="Cambria Math" panose="02040503050406030204" pitchFamily="18" charset="0"/>
+                            </a:rPr>
+                            <m:t>𝑡</m:t>
+                          </m:r>
+                          <m:r>
+                            <a:rPr lang="en-US" altLang="zh-CN" sz="2400" b="0" i="1" smtClean="0">
+                              <a:latin typeface="Cambria Math" panose="02040503050406030204" pitchFamily="18" charset="0"/>
+                            </a:rPr>
+                            <m:t>−1</m:t>
+                          </m:r>
+                        </m:sub>
+                      </m:sSub>
+                    </m:oMath>
+                  </a14:m>
+                  <a:endParaRPr lang="en-US" sz="2400" dirty="0">
+                    <a:latin typeface="DM Sans" pitchFamily="2" charset="77"/>
+                  </a:endParaRPr>
+                </a:p>
+              </p:txBody>
+            </p:sp>
+          </mc:Choice>
+          <mc:Fallback>
+            <p:sp>
+              <p:nvSpPr>
+                <p:cNvPr id="45" name="TextBox 44">
+                  <a:extLst>
+                    <a:ext uri="{FF2B5EF4-FFF2-40B4-BE49-F238E27FC236}">
+                      <a16:creationId xmlns:a16="http://schemas.microsoft.com/office/drawing/2014/main" id="{90E8EDC8-122D-FE4F-9FCD-3EDDE590B181}"/>
+                    </a:ext>
+                  </a:extLst>
+                </p:cNvPr>
+                <p:cNvSpPr txBox="1">
+                  <a:spLocks noRot="1" noChangeAspect="1" noMove="1" noResize="1" noEditPoints="1" noAdjustHandles="1" noChangeArrowheads="1" noChangeShapeType="1" noTextEdit="1"/>
+                </p:cNvSpPr>
+                <p:nvPr/>
+              </p:nvSpPr>
+              <p:spPr>
+                <a:xfrm>
+                  <a:off x="7001333" y="2522200"/>
+                  <a:ext cx="2273043" cy="461665"/>
+                </a:xfrm>
+                <a:prstGeom prst="rect">
+                  <a:avLst/>
+                </a:prstGeom>
+                <a:blipFill>
+                  <a:blip r:embed="rId6"/>
+                  <a:stretch>
+                    <a:fillRect l="-4444" t="-13514" b="-29730"/>
+                  </a:stretch>
+                </a:blipFill>
+              </p:spPr>
+              <p:txBody>
+                <a:bodyPr/>
+                <a:lstStyle/>
+                <a:p>
+                  <a:r>
+                    <a:rPr lang="en-US">
+                      <a:noFill/>
+                    </a:rPr>
+                    <a:t> </a:t>
+                  </a:r>
+                </a:p>
+              </p:txBody>
+            </p:sp>
+          </mc:Fallback>
+        </mc:AlternateContent>
+        <p:cxnSp>
+          <p:nvCxnSpPr>
+            <p:cNvPr id="48" name="Straight Arrow Connector 47">
+              <a:extLst>
+                <a:ext uri="{FF2B5EF4-FFF2-40B4-BE49-F238E27FC236}">
+                  <a16:creationId xmlns:a16="http://schemas.microsoft.com/office/drawing/2014/main" id="{3FAA61CC-E917-514B-9323-50DF3A627F5B}"/>
+                </a:ext>
+              </a:extLst>
+            </p:cNvPr>
+            <p:cNvCxnSpPr>
+              <a:cxnSpLocks/>
+            </p:cNvCxnSpPr>
+            <p:nvPr/>
+          </p:nvCxnSpPr>
+          <p:spPr>
+            <a:xfrm>
+              <a:off x="7024157" y="1783943"/>
+              <a:ext cx="1576450" cy="0"/>
+            </a:xfrm>
+            <a:prstGeom prst="straightConnector1">
+              <a:avLst/>
+            </a:prstGeom>
+            <a:ln w="25400">
+              <a:solidFill>
+                <a:schemeClr val="tx1"/>
+              </a:solidFill>
+              <a:tailEnd type="triangle" w="lg" len="lg"/>
+            </a:ln>
+          </p:spPr>
+          <p:style>
+            <a:lnRef idx="1">
+              <a:schemeClr val="accent1"/>
+            </a:lnRef>
+            <a:fillRef idx="0">
+              <a:schemeClr val="accent1"/>
+            </a:fillRef>
+            <a:effectRef idx="0">
+              <a:schemeClr val="accent1"/>
+            </a:effectRef>
+            <a:fontRef idx="minor">
               <a:schemeClr val="tx1"/>
-            </a:solidFill>
-            <a:prstDash val="sysDot"/>
-            <a:tailEnd type="none" w="lg" len="lg"/>
-          </a:ln>
-        </p:spPr>
-        <p:style>
-          <a:lnRef idx="1">
-            <a:schemeClr val="accent1"/>
-          </a:lnRef>
-          <a:fillRef idx="0">
-            <a:schemeClr val="accent1"/>
-          </a:fillRef>
-          <a:effectRef idx="0">
-            <a:schemeClr val="accent1"/>
-          </a:effectRef>
-          <a:fontRef idx="minor">
-            <a:schemeClr val="tx1"/>
-          </a:fontRef>
-        </p:style>
-      </p:cxnSp>
-      <p:cxnSp>
-        <p:nvCxnSpPr>
-          <p:cNvPr id="92" name="Straight Arrow Connector 91">
-            <a:extLst>
-              <a:ext uri="{FF2B5EF4-FFF2-40B4-BE49-F238E27FC236}">
-                <a16:creationId xmlns:a16="http://schemas.microsoft.com/office/drawing/2014/main" id="{4F35FF95-5B2A-BC4E-BADD-E35927BE950D}"/>
-              </a:ext>
-            </a:extLst>
-          </p:cNvPr>
-          <p:cNvCxnSpPr>
-            <a:cxnSpLocks/>
-          </p:cNvCxnSpPr>
-          <p:nvPr/>
-        </p:nvCxnSpPr>
-        <p:spPr>
-          <a:xfrm>
-            <a:off x="8600607" y="1783943"/>
-            <a:ext cx="2269158" cy="0"/>
-          </a:xfrm>
-          <a:prstGeom prst="straightConnector1">
-            <a:avLst/>
-          </a:prstGeom>
-          <a:ln w="25400">
-            <a:solidFill>
+            </a:fontRef>
+          </p:style>
+        </p:cxnSp>
+        <p:cxnSp>
+          <p:nvCxnSpPr>
+            <p:cNvPr id="54" name="Straight Arrow Connector 53">
+              <a:extLst>
+                <a:ext uri="{FF2B5EF4-FFF2-40B4-BE49-F238E27FC236}">
+                  <a16:creationId xmlns:a16="http://schemas.microsoft.com/office/drawing/2014/main" id="{69BEF1CE-F475-2049-BDB4-6C8E67AC85CD}"/>
+                </a:ext>
+              </a:extLst>
+            </p:cNvPr>
+            <p:cNvCxnSpPr>
+              <a:cxnSpLocks/>
+            </p:cNvCxnSpPr>
+            <p:nvPr/>
+          </p:nvCxnSpPr>
+          <p:spPr>
+            <a:xfrm>
+              <a:off x="7024157" y="2275911"/>
+              <a:ext cx="1576450" cy="0"/>
+            </a:xfrm>
+            <a:prstGeom prst="straightConnector1">
+              <a:avLst/>
+            </a:prstGeom>
+            <a:ln w="25400">
+              <a:solidFill>
+                <a:schemeClr val="tx1"/>
+              </a:solidFill>
+              <a:tailEnd type="triangle" w="lg" len="lg"/>
+            </a:ln>
+          </p:spPr>
+          <p:style>
+            <a:lnRef idx="1">
+              <a:schemeClr val="accent1"/>
+            </a:lnRef>
+            <a:fillRef idx="0">
+              <a:schemeClr val="accent1"/>
+            </a:fillRef>
+            <a:effectRef idx="0">
+              <a:schemeClr val="accent1"/>
+            </a:effectRef>
+            <a:fontRef idx="minor">
               <a:schemeClr val="tx1"/>
-            </a:solidFill>
-            <a:tailEnd type="none" w="lg" len="lg"/>
-          </a:ln>
-        </p:spPr>
-        <p:style>
-          <a:lnRef idx="1">
-            <a:schemeClr val="accent1"/>
-          </a:lnRef>
-          <a:fillRef idx="0">
-            <a:schemeClr val="accent1"/>
-          </a:fillRef>
-          <a:effectRef idx="0">
-            <a:schemeClr val="accent1"/>
-          </a:effectRef>
-          <a:fontRef idx="minor">
-            <a:schemeClr val="tx1"/>
-          </a:fontRef>
-        </p:style>
-      </p:cxnSp>
-      <p:cxnSp>
-        <p:nvCxnSpPr>
-          <p:cNvPr id="94" name="Straight Arrow Connector 93">
-            <a:extLst>
-              <a:ext uri="{FF2B5EF4-FFF2-40B4-BE49-F238E27FC236}">
-                <a16:creationId xmlns:a16="http://schemas.microsoft.com/office/drawing/2014/main" id="{1268D60C-EC53-9244-B8D3-134FE70F504F}"/>
-              </a:ext>
-            </a:extLst>
-          </p:cNvPr>
-          <p:cNvCxnSpPr>
-            <a:cxnSpLocks/>
-          </p:cNvCxnSpPr>
-          <p:nvPr/>
-        </p:nvCxnSpPr>
-        <p:spPr>
-          <a:xfrm>
-            <a:off x="8600607" y="2275911"/>
-            <a:ext cx="1989678" cy="0"/>
-          </a:xfrm>
-          <a:prstGeom prst="straightConnector1">
-            <a:avLst/>
-          </a:prstGeom>
-          <a:ln w="25400">
-            <a:solidFill>
+            </a:fontRef>
+          </p:style>
+        </p:cxnSp>
+        <p:cxnSp>
+          <p:nvCxnSpPr>
+            <p:cNvPr id="88" name="Straight Arrow Connector 87">
+              <a:extLst>
+                <a:ext uri="{FF2B5EF4-FFF2-40B4-BE49-F238E27FC236}">
+                  <a16:creationId xmlns:a16="http://schemas.microsoft.com/office/drawing/2014/main" id="{A2A2FFE0-84FD-F744-B21F-5A0C4A00D274}"/>
+                </a:ext>
+              </a:extLst>
+            </p:cNvPr>
+            <p:cNvCxnSpPr>
+              <a:cxnSpLocks/>
+            </p:cNvCxnSpPr>
+            <p:nvPr/>
+          </p:nvCxnSpPr>
+          <p:spPr>
+            <a:xfrm flipV="1">
+              <a:off x="8605144" y="1523535"/>
+              <a:ext cx="1" cy="1168789"/>
+            </a:xfrm>
+            <a:prstGeom prst="straightConnector1">
+              <a:avLst/>
+            </a:prstGeom>
+            <a:ln w="38100">
+              <a:solidFill>
+                <a:schemeClr val="tx1"/>
+              </a:solidFill>
+              <a:prstDash val="sysDot"/>
+              <a:tailEnd type="none" w="lg" len="lg"/>
+            </a:ln>
+          </p:spPr>
+          <p:style>
+            <a:lnRef idx="1">
+              <a:schemeClr val="accent1"/>
+            </a:lnRef>
+            <a:fillRef idx="0">
+              <a:schemeClr val="accent1"/>
+            </a:fillRef>
+            <a:effectRef idx="0">
+              <a:schemeClr val="accent1"/>
+            </a:effectRef>
+            <a:fontRef idx="minor">
               <a:schemeClr val="tx1"/>
-            </a:solidFill>
-            <a:tailEnd type="none" w="lg" len="lg"/>
-          </a:ln>
-        </p:spPr>
-        <p:style>
-          <a:lnRef idx="1">
-            <a:schemeClr val="accent1"/>
-          </a:lnRef>
-          <a:fillRef idx="0">
-            <a:schemeClr val="accent1"/>
-          </a:fillRef>
-          <a:effectRef idx="0">
-            <a:schemeClr val="accent1"/>
-          </a:effectRef>
-          <a:fontRef idx="minor">
-            <a:schemeClr val="tx1"/>
-          </a:fontRef>
-        </p:style>
-      </p:cxnSp>
-      <p:cxnSp>
-        <p:nvCxnSpPr>
-          <p:cNvPr id="99" name="Straight Arrow Connector 98">
-            <a:extLst>
-              <a:ext uri="{FF2B5EF4-FFF2-40B4-BE49-F238E27FC236}">
-                <a16:creationId xmlns:a16="http://schemas.microsoft.com/office/drawing/2014/main" id="{CFA711C0-ABAD-C045-B0BB-F4CA9105AD9E}"/>
-              </a:ext>
-            </a:extLst>
-          </p:cNvPr>
-          <p:cNvCxnSpPr>
-            <a:cxnSpLocks/>
-          </p:cNvCxnSpPr>
-          <p:nvPr/>
-        </p:nvCxnSpPr>
-        <p:spPr>
-          <a:xfrm>
-            <a:off x="10869765" y="1783943"/>
-            <a:ext cx="0" cy="1082842"/>
-          </a:xfrm>
-          <a:prstGeom prst="straightConnector1">
-            <a:avLst/>
-          </a:prstGeom>
-          <a:ln w="25400">
-            <a:solidFill>
+            </a:fontRef>
+          </p:style>
+        </p:cxnSp>
+        <p:cxnSp>
+          <p:nvCxnSpPr>
+            <p:cNvPr id="92" name="Straight Arrow Connector 91">
+              <a:extLst>
+                <a:ext uri="{FF2B5EF4-FFF2-40B4-BE49-F238E27FC236}">
+                  <a16:creationId xmlns:a16="http://schemas.microsoft.com/office/drawing/2014/main" id="{4F35FF95-5B2A-BC4E-BADD-E35927BE950D}"/>
+                </a:ext>
+              </a:extLst>
+            </p:cNvPr>
+            <p:cNvCxnSpPr>
+              <a:cxnSpLocks/>
+            </p:cNvCxnSpPr>
+            <p:nvPr/>
+          </p:nvCxnSpPr>
+          <p:spPr>
+            <a:xfrm>
+              <a:off x="8600607" y="1783943"/>
+              <a:ext cx="2269158" cy="0"/>
+            </a:xfrm>
+            <a:prstGeom prst="straightConnector1">
+              <a:avLst/>
+            </a:prstGeom>
+            <a:ln w="25400">
+              <a:solidFill>
+                <a:schemeClr val="tx1"/>
+              </a:solidFill>
+              <a:tailEnd type="none" w="lg" len="lg"/>
+            </a:ln>
+          </p:spPr>
+          <p:style>
+            <a:lnRef idx="1">
+              <a:schemeClr val="accent1"/>
+            </a:lnRef>
+            <a:fillRef idx="0">
+              <a:schemeClr val="accent1"/>
+            </a:fillRef>
+            <a:effectRef idx="0">
+              <a:schemeClr val="accent1"/>
+            </a:effectRef>
+            <a:fontRef idx="minor">
               <a:schemeClr val="tx1"/>
-            </a:solidFill>
-            <a:tailEnd type="triangle" w="lg" len="lg"/>
-          </a:ln>
-        </p:spPr>
-        <p:style>
-          <a:lnRef idx="1">
-            <a:schemeClr val="accent1"/>
-          </a:lnRef>
-          <a:fillRef idx="0">
-            <a:schemeClr val="accent1"/>
-          </a:fillRef>
-          <a:effectRef idx="0">
-            <a:schemeClr val="accent1"/>
-          </a:effectRef>
-          <a:fontRef idx="minor">
-            <a:schemeClr val="tx1"/>
-          </a:fontRef>
-        </p:style>
-      </p:cxnSp>
-      <p:cxnSp>
-        <p:nvCxnSpPr>
-          <p:cNvPr id="105" name="Straight Arrow Connector 104">
-            <a:extLst>
-              <a:ext uri="{FF2B5EF4-FFF2-40B4-BE49-F238E27FC236}">
-                <a16:creationId xmlns:a16="http://schemas.microsoft.com/office/drawing/2014/main" id="{86ABE284-BD4E-2D45-804F-FC9E5EAAAC04}"/>
-              </a:ext>
-            </a:extLst>
-          </p:cNvPr>
-          <p:cNvCxnSpPr>
-            <a:cxnSpLocks/>
-          </p:cNvCxnSpPr>
-          <p:nvPr/>
-        </p:nvCxnSpPr>
-        <p:spPr>
-          <a:xfrm>
-            <a:off x="10590285" y="2275911"/>
-            <a:ext cx="0" cy="596781"/>
-          </a:xfrm>
-          <a:prstGeom prst="straightConnector1">
-            <a:avLst/>
-          </a:prstGeom>
-          <a:ln w="25400">
-            <a:solidFill>
+            </a:fontRef>
+          </p:style>
+        </p:cxnSp>
+        <p:cxnSp>
+          <p:nvCxnSpPr>
+            <p:cNvPr id="94" name="Straight Arrow Connector 93">
+              <a:extLst>
+                <a:ext uri="{FF2B5EF4-FFF2-40B4-BE49-F238E27FC236}">
+                  <a16:creationId xmlns:a16="http://schemas.microsoft.com/office/drawing/2014/main" id="{1268D60C-EC53-9244-B8D3-134FE70F504F}"/>
+                </a:ext>
+              </a:extLst>
+            </p:cNvPr>
+            <p:cNvCxnSpPr>
+              <a:cxnSpLocks/>
+            </p:cNvCxnSpPr>
+            <p:nvPr/>
+          </p:nvCxnSpPr>
+          <p:spPr>
+            <a:xfrm>
+              <a:off x="8600607" y="2275911"/>
+              <a:ext cx="1989678" cy="0"/>
+            </a:xfrm>
+            <a:prstGeom prst="straightConnector1">
+              <a:avLst/>
+            </a:prstGeom>
+            <a:ln w="25400">
+              <a:solidFill>
+                <a:schemeClr val="tx1"/>
+              </a:solidFill>
+              <a:tailEnd type="none" w="lg" len="lg"/>
+            </a:ln>
+          </p:spPr>
+          <p:style>
+            <a:lnRef idx="1">
+              <a:schemeClr val="accent1"/>
+            </a:lnRef>
+            <a:fillRef idx="0">
+              <a:schemeClr val="accent1"/>
+            </a:fillRef>
+            <a:effectRef idx="0">
+              <a:schemeClr val="accent1"/>
+            </a:effectRef>
+            <a:fontRef idx="minor">
               <a:schemeClr val="tx1"/>
-            </a:solidFill>
-            <a:tailEnd type="triangle" w="lg" len="lg"/>
-          </a:ln>
-        </p:spPr>
-        <p:style>
-          <a:lnRef idx="1">
-            <a:schemeClr val="accent1"/>
-          </a:lnRef>
-          <a:fillRef idx="0">
-            <a:schemeClr val="accent1"/>
-          </a:fillRef>
-          <a:effectRef idx="0">
-            <a:schemeClr val="accent1"/>
-          </a:effectRef>
-          <a:fontRef idx="minor">
-            <a:schemeClr val="tx1"/>
-          </a:fontRef>
-        </p:style>
-      </p:cxnSp>
-      <mc:AlternateContent xmlns:mc="http://schemas.openxmlformats.org/markup-compatibility/2006" xmlns:a14="http://schemas.microsoft.com/office/drawing/2010/main">
-        <mc:Choice Requires="a14">
-          <p:sp>
-            <p:nvSpPr>
-              <p:cNvPr id="126" name="TextBox 125">
-                <a:extLst>
-                  <a:ext uri="{FF2B5EF4-FFF2-40B4-BE49-F238E27FC236}">
-                    <a16:creationId xmlns:a16="http://schemas.microsoft.com/office/drawing/2014/main" id="{97B6DE95-A294-2D45-8CDB-531984347A30}"/>
-                  </a:ext>
-                </a:extLst>
-              </p:cNvPr>
-              <p:cNvSpPr txBox="1"/>
-              <p:nvPr/>
-            </p:nvSpPr>
-            <p:spPr>
-              <a:xfrm>
-                <a:off x="9006176" y="1292042"/>
-                <a:ext cx="1781504" cy="461665"/>
-              </a:xfrm>
-              <a:prstGeom prst="rect">
-                <a:avLst/>
-              </a:prstGeom>
-              <a:noFill/>
-            </p:spPr>
-            <p:txBody>
-              <a:bodyPr wrap="square" rtlCol="0">
-                <a:spAutoFit/>
-              </a:bodyPr>
-              <a:lstStyle/>
-              <a:p>
-                <a:r>
-                  <a:rPr lang="en-US" altLang="zh-CN" sz="2400" dirty="0">
+            </a:fontRef>
+          </p:style>
+        </p:cxnSp>
+        <p:cxnSp>
+          <p:nvCxnSpPr>
+            <p:cNvPr id="99" name="Straight Arrow Connector 98">
+              <a:extLst>
+                <a:ext uri="{FF2B5EF4-FFF2-40B4-BE49-F238E27FC236}">
+                  <a16:creationId xmlns:a16="http://schemas.microsoft.com/office/drawing/2014/main" id="{CFA711C0-ABAD-C045-B0BB-F4CA9105AD9E}"/>
+                </a:ext>
+              </a:extLst>
+            </p:cNvPr>
+            <p:cNvCxnSpPr>
+              <a:cxnSpLocks/>
+            </p:cNvCxnSpPr>
+            <p:nvPr/>
+          </p:nvCxnSpPr>
+          <p:spPr>
+            <a:xfrm>
+              <a:off x="10869765" y="1783943"/>
+              <a:ext cx="0" cy="1082842"/>
+            </a:xfrm>
+            <a:prstGeom prst="straightConnector1">
+              <a:avLst/>
+            </a:prstGeom>
+            <a:ln w="25400">
+              <a:solidFill>
+                <a:schemeClr val="tx1"/>
+              </a:solidFill>
+              <a:tailEnd type="triangle" w="lg" len="lg"/>
+            </a:ln>
+          </p:spPr>
+          <p:style>
+            <a:lnRef idx="1">
+              <a:schemeClr val="accent1"/>
+            </a:lnRef>
+            <a:fillRef idx="0">
+              <a:schemeClr val="accent1"/>
+            </a:fillRef>
+            <a:effectRef idx="0">
+              <a:schemeClr val="accent1"/>
+            </a:effectRef>
+            <a:fontRef idx="minor">
+              <a:schemeClr val="tx1"/>
+            </a:fontRef>
+          </p:style>
+        </p:cxnSp>
+        <p:cxnSp>
+          <p:nvCxnSpPr>
+            <p:cNvPr id="105" name="Straight Arrow Connector 104">
+              <a:extLst>
+                <a:ext uri="{FF2B5EF4-FFF2-40B4-BE49-F238E27FC236}">
+                  <a16:creationId xmlns:a16="http://schemas.microsoft.com/office/drawing/2014/main" id="{86ABE284-BD4E-2D45-804F-FC9E5EAAAC04}"/>
+                </a:ext>
+              </a:extLst>
+            </p:cNvPr>
+            <p:cNvCxnSpPr>
+              <a:cxnSpLocks/>
+            </p:cNvCxnSpPr>
+            <p:nvPr/>
+          </p:nvCxnSpPr>
+          <p:spPr>
+            <a:xfrm>
+              <a:off x="10590285" y="2275911"/>
+              <a:ext cx="0" cy="596781"/>
+            </a:xfrm>
+            <a:prstGeom prst="straightConnector1">
+              <a:avLst/>
+            </a:prstGeom>
+            <a:ln w="25400">
+              <a:solidFill>
+                <a:schemeClr val="tx1"/>
+              </a:solidFill>
+              <a:tailEnd type="triangle" w="lg" len="lg"/>
+            </a:ln>
+          </p:spPr>
+          <p:style>
+            <a:lnRef idx="1">
+              <a:schemeClr val="accent1"/>
+            </a:lnRef>
+            <a:fillRef idx="0">
+              <a:schemeClr val="accent1"/>
+            </a:fillRef>
+            <a:effectRef idx="0">
+              <a:schemeClr val="accent1"/>
+            </a:effectRef>
+            <a:fontRef idx="minor">
+              <a:schemeClr val="tx1"/>
+            </a:fontRef>
+          </p:style>
+        </p:cxnSp>
+        <mc:AlternateContent xmlns:mc="http://schemas.openxmlformats.org/markup-compatibility/2006">
+          <mc:Choice xmlns:a14="http://schemas.microsoft.com/office/drawing/2010/main" Requires="a14">
+            <p:sp>
+              <p:nvSpPr>
+                <p:cNvPr id="126" name="TextBox 125">
+                  <a:extLst>
+                    <a:ext uri="{FF2B5EF4-FFF2-40B4-BE49-F238E27FC236}">
+                      <a16:creationId xmlns:a16="http://schemas.microsoft.com/office/drawing/2014/main" id="{97B6DE95-A294-2D45-8CDB-531984347A30}"/>
+                    </a:ext>
+                  </a:extLst>
+                </p:cNvPr>
+                <p:cNvSpPr txBox="1"/>
+                <p:nvPr/>
+              </p:nvSpPr>
+              <p:spPr>
+                <a:xfrm>
+                  <a:off x="9006176" y="1292042"/>
+                  <a:ext cx="1781504" cy="461665"/>
+                </a:xfrm>
+                <a:prstGeom prst="rect">
+                  <a:avLst/>
+                </a:prstGeom>
+                <a:noFill/>
+              </p:spPr>
+              <p:txBody>
+                <a:bodyPr wrap="square" rtlCol="0">
+                  <a:spAutoFit/>
+                </a:bodyPr>
+                <a:lstStyle/>
+                <a:p>
+                  <a:r>
+                    <a:rPr lang="en-US" altLang="zh-CN" sz="2400" dirty="0">
+                      <a:latin typeface="DM Sans" pitchFamily="2" charset="77"/>
+                    </a:rPr>
+                    <a:t>State</a:t>
+                  </a:r>
+                  <a:r>
+                    <a:rPr lang="zh-CN" altLang="en-US" sz="2400" dirty="0">
+                      <a:latin typeface="DM Sans" pitchFamily="2" charset="77"/>
+                    </a:rPr>
+                    <a:t> </a:t>
+                  </a:r>
+                  <a14:m>
+                    <m:oMath xmlns:m="http://schemas.openxmlformats.org/officeDocument/2006/math">
+                      <m:sSub>
+                        <m:sSubPr>
+                          <m:ctrlPr>
+                            <a:rPr lang="en-US" altLang="zh-CN" sz="2400" i="1" smtClean="0">
+                              <a:latin typeface="Cambria Math" panose="02040503050406030204" pitchFamily="18" charset="0"/>
+                            </a:rPr>
+                          </m:ctrlPr>
+                        </m:sSubPr>
+                        <m:e>
+                          <m:r>
+                            <a:rPr lang="en-US" altLang="zh-CN" sz="2400" b="0" i="1" smtClean="0">
+                              <a:latin typeface="Cambria Math" panose="02040503050406030204" pitchFamily="18" charset="0"/>
+                            </a:rPr>
+                            <m:t>𝑠</m:t>
+                          </m:r>
+                        </m:e>
+                        <m:sub>
+                          <m:r>
+                            <a:rPr lang="en-US" altLang="zh-CN" sz="2400" b="0" i="1" smtClean="0">
+                              <a:latin typeface="Cambria Math" panose="02040503050406030204" pitchFamily="18" charset="0"/>
+                            </a:rPr>
+                            <m:t>𝑡</m:t>
+                          </m:r>
+                          <m:r>
+                            <a:rPr lang="en-US" altLang="zh-CN" sz="2400" b="0" i="1" smtClean="0">
+                              <a:latin typeface="Cambria Math" panose="02040503050406030204" pitchFamily="18" charset="0"/>
+                            </a:rPr>
+                            <m:t>+1</m:t>
+                          </m:r>
+                        </m:sub>
+                      </m:sSub>
+                    </m:oMath>
+                  </a14:m>
+                  <a:endParaRPr lang="en-US" sz="2400" dirty="0">
                     <a:latin typeface="DM Sans" pitchFamily="2" charset="77"/>
-                  </a:rPr>
-                  <a:t>State</a:t>
-                </a:r>
-                <a:r>
-                  <a:rPr lang="zh-CN" altLang="en-US" sz="2400" dirty="0">
+                  </a:endParaRPr>
+                </a:p>
+              </p:txBody>
+            </p:sp>
+          </mc:Choice>
+          <mc:Fallback>
+            <p:sp>
+              <p:nvSpPr>
+                <p:cNvPr id="126" name="TextBox 125">
+                  <a:extLst>
+                    <a:ext uri="{FF2B5EF4-FFF2-40B4-BE49-F238E27FC236}">
+                      <a16:creationId xmlns:a16="http://schemas.microsoft.com/office/drawing/2014/main" id="{97B6DE95-A294-2D45-8CDB-531984347A30}"/>
+                    </a:ext>
+                  </a:extLst>
+                </p:cNvPr>
+                <p:cNvSpPr txBox="1">
+                  <a:spLocks noRot="1" noChangeAspect="1" noMove="1" noResize="1" noEditPoints="1" noAdjustHandles="1" noChangeArrowheads="1" noChangeShapeType="1" noTextEdit="1"/>
+                </p:cNvSpPr>
+                <p:nvPr/>
+              </p:nvSpPr>
+              <p:spPr>
+                <a:xfrm>
+                  <a:off x="9006176" y="1292042"/>
+                  <a:ext cx="1781504" cy="461665"/>
+                </a:xfrm>
+                <a:prstGeom prst="rect">
+                  <a:avLst/>
+                </a:prstGeom>
+                <a:blipFill>
+                  <a:blip r:embed="rId7"/>
+                  <a:stretch>
+                    <a:fillRect l="-4930" t="-10811" b="-29730"/>
+                  </a:stretch>
+                </a:blipFill>
+              </p:spPr>
+              <p:txBody>
+                <a:bodyPr/>
+                <a:lstStyle/>
+                <a:p>
+                  <a:r>
+                    <a:rPr lang="en-US">
+                      <a:noFill/>
+                    </a:rPr>
+                    <a:t> </a:t>
+                  </a:r>
+                </a:p>
+              </p:txBody>
+            </p:sp>
+          </mc:Fallback>
+        </mc:AlternateContent>
+        <mc:AlternateContent xmlns:mc="http://schemas.openxmlformats.org/markup-compatibility/2006">
+          <mc:Choice xmlns:a14="http://schemas.microsoft.com/office/drawing/2010/main" Requires="a14">
+            <p:sp>
+              <p:nvSpPr>
+                <p:cNvPr id="127" name="TextBox 126">
+                  <a:extLst>
+                    <a:ext uri="{FF2B5EF4-FFF2-40B4-BE49-F238E27FC236}">
+                      <a16:creationId xmlns:a16="http://schemas.microsoft.com/office/drawing/2014/main" id="{E407C770-23AA-7D48-B5AA-549C2C232F13}"/>
+                    </a:ext>
+                  </a:extLst>
+                </p:cNvPr>
+                <p:cNvSpPr txBox="1"/>
+                <p:nvPr/>
+              </p:nvSpPr>
+              <p:spPr>
+                <a:xfrm>
+                  <a:off x="8904649" y="1832323"/>
+                  <a:ext cx="2273043" cy="461665"/>
+                </a:xfrm>
+                <a:prstGeom prst="rect">
+                  <a:avLst/>
+                </a:prstGeom>
+                <a:noFill/>
+              </p:spPr>
+              <p:txBody>
+                <a:bodyPr wrap="square" rtlCol="0">
+                  <a:spAutoFit/>
+                </a:bodyPr>
+                <a:lstStyle/>
+                <a:p>
+                  <a:r>
+                    <a:rPr lang="en-US" altLang="zh-CN" sz="2400" dirty="0">
+                      <a:latin typeface="DM Sans" pitchFamily="2" charset="77"/>
+                    </a:rPr>
+                    <a:t>Reward</a:t>
+                  </a:r>
+                  <a:r>
+                    <a:rPr lang="zh-CN" altLang="en-US" sz="2400" dirty="0">
+                      <a:latin typeface="DM Sans" pitchFamily="2" charset="77"/>
+                    </a:rPr>
+                    <a:t> </a:t>
+                  </a:r>
+                  <a14:m>
+                    <m:oMath xmlns:m="http://schemas.openxmlformats.org/officeDocument/2006/math">
+                      <m:sSub>
+                        <m:sSubPr>
+                          <m:ctrlPr>
+                            <a:rPr lang="en-US" altLang="zh-CN" sz="2400" i="1" smtClean="0">
+                              <a:latin typeface="Cambria Math" panose="02040503050406030204" pitchFamily="18" charset="0"/>
+                            </a:rPr>
+                          </m:ctrlPr>
+                        </m:sSubPr>
+                        <m:e>
+                          <m:r>
+                            <a:rPr lang="en-US" altLang="zh-CN" sz="2400" b="0" i="1" smtClean="0">
+                              <a:latin typeface="Cambria Math" panose="02040503050406030204" pitchFamily="18" charset="0"/>
+                            </a:rPr>
+                            <m:t>𝑟</m:t>
+                          </m:r>
+                        </m:e>
+                        <m:sub>
+                          <m:r>
+                            <a:rPr lang="en-US" altLang="zh-CN" sz="2400" b="0" i="1" smtClean="0">
+                              <a:latin typeface="Cambria Math" panose="02040503050406030204" pitchFamily="18" charset="0"/>
+                            </a:rPr>
+                            <m:t>𝑡</m:t>
+                          </m:r>
+                        </m:sub>
+                      </m:sSub>
+                    </m:oMath>
+                  </a14:m>
+                  <a:endParaRPr lang="en-US" sz="2400" dirty="0">
                     <a:latin typeface="DM Sans" pitchFamily="2" charset="77"/>
-                  </a:rPr>
-                  <a:t> </a:t>
-                </a:r>
-                <a14:m>
-                  <m:oMath xmlns:m="http://schemas.openxmlformats.org/officeDocument/2006/math">
-                    <m:sSub>
-                      <m:sSubPr>
-                        <m:ctrlPr>
-                          <a:rPr lang="en-US" altLang="zh-CN" sz="2400" i="1" smtClean="0">
-                            <a:latin typeface="Cambria Math" panose="02040503050406030204" pitchFamily="18" charset="0"/>
-                          </a:rPr>
-                        </m:ctrlPr>
-                      </m:sSubPr>
-                      <m:e>
-                        <m:r>
-                          <a:rPr lang="en-US" altLang="zh-CN" sz="2400" b="0" i="1" smtClean="0">
-                            <a:latin typeface="Cambria Math" panose="02040503050406030204" pitchFamily="18" charset="0"/>
-                          </a:rPr>
-                          <m:t>𝑠</m:t>
-                        </m:r>
-                      </m:e>
-                      <m:sub>
-                        <m:r>
-                          <a:rPr lang="en-US" altLang="zh-CN" sz="2400" b="0" i="1" smtClean="0">
-                            <a:latin typeface="Cambria Math" panose="02040503050406030204" pitchFamily="18" charset="0"/>
-                          </a:rPr>
-                          <m:t>𝑡</m:t>
-                        </m:r>
-                        <m:r>
-                          <a:rPr lang="en-US" altLang="zh-CN" sz="2400" b="0" i="1" smtClean="0">
-                            <a:latin typeface="Cambria Math" panose="02040503050406030204" pitchFamily="18" charset="0"/>
-                          </a:rPr>
-                          <m:t>+1</m:t>
-                        </m:r>
-                      </m:sub>
-                    </m:sSub>
-                  </m:oMath>
-                </a14:m>
-                <a:endParaRPr lang="en-US" sz="2400" dirty="0">
-                  <a:latin typeface="DM Sans" pitchFamily="2" charset="77"/>
-                </a:endParaRPr>
-              </a:p>
-            </p:txBody>
-          </p:sp>
-        </mc:Choice>
-        <mc:Fallback xmlns="">
-          <p:sp>
-            <p:nvSpPr>
-              <p:cNvPr id="126" name="TextBox 125">
-                <a:extLst>
-                  <a:ext uri="{FF2B5EF4-FFF2-40B4-BE49-F238E27FC236}">
-                    <a16:creationId xmlns:a16="http://schemas.microsoft.com/office/drawing/2014/main" id="{97B6DE95-A294-2D45-8CDB-531984347A30}"/>
-                  </a:ext>
-                </a:extLst>
-              </p:cNvPr>
-              <p:cNvSpPr txBox="1">
-                <a:spLocks noRot="1" noChangeAspect="1" noMove="1" noResize="1" noEditPoints="1" noAdjustHandles="1" noChangeArrowheads="1" noChangeShapeType="1" noTextEdit="1"/>
-              </p:cNvSpPr>
-              <p:nvPr/>
-            </p:nvSpPr>
-            <p:spPr>
-              <a:xfrm>
-                <a:off x="9006176" y="1292042"/>
-                <a:ext cx="1781504" cy="461665"/>
-              </a:xfrm>
-              <a:prstGeom prst="rect">
-                <a:avLst/>
-              </a:prstGeom>
-              <a:blipFill>
-                <a:blip r:embed="rId5"/>
-                <a:stretch>
-                  <a:fillRect l="-4930" t="-10526" b="-28947"/>
-                </a:stretch>
-              </a:blipFill>
-            </p:spPr>
-            <p:txBody>
-              <a:bodyPr/>
-              <a:lstStyle/>
-              <a:p>
-                <a:r>
-                  <a:rPr lang="en-US">
-                    <a:noFill/>
-                  </a:rPr>
-                  <a:t> </a:t>
-                </a:r>
-              </a:p>
-            </p:txBody>
-          </p:sp>
-        </mc:Fallback>
-      </mc:AlternateContent>
-      <mc:AlternateContent xmlns:mc="http://schemas.openxmlformats.org/markup-compatibility/2006" xmlns:a14="http://schemas.microsoft.com/office/drawing/2010/main">
-        <mc:Choice Requires="a14">
-          <p:sp>
-            <p:nvSpPr>
-              <p:cNvPr id="127" name="TextBox 126">
-                <a:extLst>
-                  <a:ext uri="{FF2B5EF4-FFF2-40B4-BE49-F238E27FC236}">
-                    <a16:creationId xmlns:a16="http://schemas.microsoft.com/office/drawing/2014/main" id="{E407C770-23AA-7D48-B5AA-549C2C232F13}"/>
-                  </a:ext>
-                </a:extLst>
-              </p:cNvPr>
-              <p:cNvSpPr txBox="1"/>
-              <p:nvPr/>
-            </p:nvSpPr>
-            <p:spPr>
-              <a:xfrm>
-                <a:off x="8904649" y="1832323"/>
-                <a:ext cx="2273043" cy="461665"/>
-              </a:xfrm>
-              <a:prstGeom prst="rect">
-                <a:avLst/>
-              </a:prstGeom>
-              <a:noFill/>
-            </p:spPr>
-            <p:txBody>
-              <a:bodyPr wrap="square" rtlCol="0">
-                <a:spAutoFit/>
-              </a:bodyPr>
-              <a:lstStyle/>
-              <a:p>
-                <a:r>
-                  <a:rPr lang="en-US" altLang="zh-CN" sz="2400" dirty="0">
-                    <a:latin typeface="DM Sans" pitchFamily="2" charset="77"/>
-                  </a:rPr>
-                  <a:t>Reward</a:t>
-                </a:r>
-                <a:r>
-                  <a:rPr lang="zh-CN" altLang="en-US" sz="2400" dirty="0">
-                    <a:latin typeface="DM Sans" pitchFamily="2" charset="77"/>
-                  </a:rPr>
-                  <a:t> </a:t>
-                </a:r>
-                <a14:m>
-                  <m:oMath xmlns:m="http://schemas.openxmlformats.org/officeDocument/2006/math">
-                    <m:sSub>
-                      <m:sSubPr>
-                        <m:ctrlPr>
-                          <a:rPr lang="en-US" altLang="zh-CN" sz="2400" i="1" smtClean="0">
-                            <a:latin typeface="Cambria Math" panose="02040503050406030204" pitchFamily="18" charset="0"/>
-                          </a:rPr>
-                        </m:ctrlPr>
-                      </m:sSubPr>
-                      <m:e>
-                        <m:r>
-                          <a:rPr lang="en-US" altLang="zh-CN" sz="2400" b="0" i="1" smtClean="0">
-                            <a:latin typeface="Cambria Math" panose="02040503050406030204" pitchFamily="18" charset="0"/>
-                          </a:rPr>
-                          <m:t>𝑟</m:t>
-                        </m:r>
-                      </m:e>
-                      <m:sub>
-                        <m:r>
-                          <a:rPr lang="en-US" altLang="zh-CN" sz="2400" b="0" i="1" smtClean="0">
-                            <a:latin typeface="Cambria Math" panose="02040503050406030204" pitchFamily="18" charset="0"/>
-                          </a:rPr>
-                          <m:t>𝑡</m:t>
-                        </m:r>
-                      </m:sub>
-                    </m:sSub>
-                  </m:oMath>
-                </a14:m>
-                <a:endParaRPr lang="en-US" sz="2400" dirty="0">
-                  <a:latin typeface="DM Sans" pitchFamily="2" charset="77"/>
-                </a:endParaRPr>
-              </a:p>
-            </p:txBody>
-          </p:sp>
-        </mc:Choice>
-        <mc:Fallback xmlns="">
-          <p:sp>
-            <p:nvSpPr>
-              <p:cNvPr id="127" name="TextBox 126">
-                <a:extLst>
-                  <a:ext uri="{FF2B5EF4-FFF2-40B4-BE49-F238E27FC236}">
-                    <a16:creationId xmlns:a16="http://schemas.microsoft.com/office/drawing/2014/main" id="{E407C770-23AA-7D48-B5AA-549C2C232F13}"/>
-                  </a:ext>
-                </a:extLst>
-              </p:cNvPr>
-              <p:cNvSpPr txBox="1">
-                <a:spLocks noRot="1" noChangeAspect="1" noMove="1" noResize="1" noEditPoints="1" noAdjustHandles="1" noChangeArrowheads="1" noChangeShapeType="1" noTextEdit="1"/>
-              </p:cNvSpPr>
-              <p:nvPr/>
-            </p:nvSpPr>
-            <p:spPr>
-              <a:xfrm>
-                <a:off x="8904649" y="1832323"/>
-                <a:ext cx="2273043" cy="461665"/>
-              </a:xfrm>
-              <a:prstGeom prst="rect">
-                <a:avLst/>
-              </a:prstGeom>
-              <a:blipFill>
-                <a:blip r:embed="rId6"/>
-                <a:stretch>
-                  <a:fillRect l="-4444" t="-10811" b="-29730"/>
-                </a:stretch>
-              </a:blipFill>
-            </p:spPr>
-            <p:txBody>
-              <a:bodyPr/>
-              <a:lstStyle/>
-              <a:p>
-                <a:r>
-                  <a:rPr lang="en-US">
-                    <a:noFill/>
-                  </a:rPr>
-                  <a:t> </a:t>
-                </a:r>
-              </a:p>
-            </p:txBody>
-          </p:sp>
-        </mc:Fallback>
-      </mc:AlternateContent>
+                  </a:endParaRPr>
+                </a:p>
+              </p:txBody>
+            </p:sp>
+          </mc:Choice>
+          <mc:Fallback>
+            <p:sp>
+              <p:nvSpPr>
+                <p:cNvPr id="127" name="TextBox 126">
+                  <a:extLst>
+                    <a:ext uri="{FF2B5EF4-FFF2-40B4-BE49-F238E27FC236}">
+                      <a16:creationId xmlns:a16="http://schemas.microsoft.com/office/drawing/2014/main" id="{E407C770-23AA-7D48-B5AA-549C2C232F13}"/>
+                    </a:ext>
+                  </a:extLst>
+                </p:cNvPr>
+                <p:cNvSpPr txBox="1">
+                  <a:spLocks noRot="1" noChangeAspect="1" noMove="1" noResize="1" noEditPoints="1" noAdjustHandles="1" noChangeArrowheads="1" noChangeShapeType="1" noTextEdit="1"/>
+                </p:cNvSpPr>
+                <p:nvPr/>
+              </p:nvSpPr>
+              <p:spPr>
+                <a:xfrm>
+                  <a:off x="8904649" y="1832323"/>
+                  <a:ext cx="2273043" cy="461665"/>
+                </a:xfrm>
+                <a:prstGeom prst="rect">
+                  <a:avLst/>
+                </a:prstGeom>
+                <a:blipFill>
+                  <a:blip r:embed="rId8"/>
+                  <a:stretch>
+                    <a:fillRect l="-4444" t="-10811" b="-29730"/>
+                  </a:stretch>
+                </a:blipFill>
+              </p:spPr>
+              <p:txBody>
+                <a:bodyPr/>
+                <a:lstStyle/>
+                <a:p>
+                  <a:r>
+                    <a:rPr lang="en-US">
+                      <a:noFill/>
+                    </a:rPr>
+                    <a:t> </a:t>
+                  </a:r>
+                </a:p>
+              </p:txBody>
+            </p:sp>
+          </mc:Fallback>
+        </mc:AlternateContent>
+      </p:grpSp>
       <p:sp>
         <p:nvSpPr>
           <p:cNvPr id="50" name="Rectangle 49">
@@ -5491,7 +5499,7 @@
           <p:nvPr/>
         </p:nvPicPr>
         <p:blipFill>
-          <a:blip r:embed="rId7"/>
+          <a:blip r:embed="rId9"/>
           <a:stretch>
             <a:fillRect/>
           </a:stretch>
@@ -5521,7 +5529,7 @@
           <p:nvPr/>
         </p:nvPicPr>
         <p:blipFill>
-          <a:blip r:embed="rId8"/>
+          <a:blip r:embed="rId10"/>
           <a:stretch>
             <a:fillRect/>
           </a:stretch>
@@ -7330,10 +7338,10 @@
       </p:sp>
       <p:grpSp>
         <p:nvGrpSpPr>
-          <p:cNvPr id="2" name="Group 1">
-            <a:extLst>
-              <a:ext uri="{FF2B5EF4-FFF2-40B4-BE49-F238E27FC236}">
-                <a16:creationId xmlns:a16="http://schemas.microsoft.com/office/drawing/2014/main" id="{3DA17F62-D531-8E4B-821B-CF47A088E9B3}"/>
+          <p:cNvPr id="10" name="Group 9">
+            <a:extLst>
+              <a:ext uri="{FF2B5EF4-FFF2-40B4-BE49-F238E27FC236}">
+                <a16:creationId xmlns:a16="http://schemas.microsoft.com/office/drawing/2014/main" id="{A6E6A8F4-545F-2445-9A34-51D71980F159}"/>
               </a:ext>
             </a:extLst>
           </p:cNvPr>
@@ -7342,14 +7350,14 @@
         </p:nvGrpSpPr>
         <p:grpSpPr>
           <a:xfrm>
-            <a:off x="8196826" y="374357"/>
-            <a:ext cx="3340259" cy="713043"/>
-            <a:chOff x="8196826" y="374357"/>
-            <a:chExt cx="3340259" cy="713043"/>
+            <a:off x="8202812" y="374357"/>
+            <a:ext cx="3334273" cy="369332"/>
+            <a:chOff x="8202812" y="374357"/>
+            <a:chExt cx="3334273" cy="369332"/>
           </a:xfrm>
         </p:grpSpPr>
-        <mc:AlternateContent xmlns:mc="http://schemas.openxmlformats.org/markup-compatibility/2006" xmlns:a14="http://schemas.microsoft.com/office/drawing/2010/main">
-          <mc:Choice Requires="a14">
+        <mc:AlternateContent xmlns:mc="http://schemas.openxmlformats.org/markup-compatibility/2006">
+          <mc:Choice xmlns:a14="http://schemas.microsoft.com/office/drawing/2010/main" Requires="a14">
             <p:sp>
               <p:nvSpPr>
                 <p:cNvPr id="98" name="TextBox 97">
@@ -7443,7 +7451,7 @@
               </p:txBody>
             </p:sp>
           </mc:Choice>
-          <mc:Fallback xmlns="">
+          <mc:Fallback>
             <p:sp>
               <p:nvSpPr>
                 <p:cNvPr id="98" name="TextBox 97">
@@ -7467,7 +7475,7 @@
                   <a:avLst/>
                 </a:prstGeom>
                 <a:blipFill>
-                  <a:blip r:embed="rId9"/>
+                  <a:blip r:embed="rId11"/>
                   <a:stretch>
                     <a:fillRect l="-1732" t="-3333" b="-26667"/>
                   </a:stretch>
@@ -7488,8 +7496,58 @@
             </p:sp>
           </mc:Fallback>
         </mc:AlternateContent>
-        <mc:AlternateContent xmlns:mc="http://schemas.openxmlformats.org/markup-compatibility/2006" xmlns:a14="http://schemas.microsoft.com/office/drawing/2010/main">
-          <mc:Choice Requires="a14">
+        <p:pic>
+          <p:nvPicPr>
+            <p:cNvPr id="101" name="Picture 100">
+              <a:extLst>
+                <a:ext uri="{FF2B5EF4-FFF2-40B4-BE49-F238E27FC236}">
+                  <a16:creationId xmlns:a16="http://schemas.microsoft.com/office/drawing/2014/main" id="{55A73AF9-C1AE-B941-A3C0-0442454EA1E4}"/>
+                </a:ext>
+              </a:extLst>
+            </p:cNvPr>
+            <p:cNvPicPr>
+              <a:picLocks noChangeAspect="1"/>
+            </p:cNvPicPr>
+            <p:nvPr/>
+          </p:nvPicPr>
+          <p:blipFill rotWithShape="1">
+            <a:blip r:embed="rId10"/>
+            <a:srcRect t="-2781" r="82333"/>
+            <a:stretch/>
+          </p:blipFill>
+          <p:spPr>
+            <a:xfrm>
+              <a:off x="8202812" y="436159"/>
+              <a:ext cx="323102" cy="234959"/>
+            </a:xfrm>
+            <a:prstGeom prst="rect">
+              <a:avLst/>
+            </a:prstGeom>
+          </p:spPr>
+        </p:pic>
+      </p:grpSp>
+      <p:grpSp>
+        <p:nvGrpSpPr>
+          <p:cNvPr id="11" name="Group 10">
+            <a:extLst>
+              <a:ext uri="{FF2B5EF4-FFF2-40B4-BE49-F238E27FC236}">
+                <a16:creationId xmlns:a16="http://schemas.microsoft.com/office/drawing/2014/main" id="{D80804B3-3BE2-B346-9328-00DB5C979172}"/>
+              </a:ext>
+            </a:extLst>
+          </p:cNvPr>
+          <p:cNvGrpSpPr/>
+          <p:nvPr/>
+        </p:nvGrpSpPr>
+        <p:grpSpPr>
+          <a:xfrm>
+            <a:off x="8202812" y="717519"/>
+            <a:ext cx="3334109" cy="369332"/>
+            <a:chOff x="8202972" y="718068"/>
+            <a:chExt cx="3334109" cy="369332"/>
+          </a:xfrm>
+        </p:grpSpPr>
+        <mc:AlternateContent xmlns:mc="http://schemas.openxmlformats.org/markup-compatibility/2006">
+          <mc:Choice xmlns:a14="http://schemas.microsoft.com/office/drawing/2010/main" Requires="a14">
             <p:sp>
               <p:nvSpPr>
                 <p:cNvPr id="100" name="TextBox 99">
@@ -7583,7 +7641,7 @@
               </p:txBody>
             </p:sp>
           </mc:Choice>
-          <mc:Fallback xmlns="">
+          <mc:Fallback>
             <p:sp>
               <p:nvSpPr>
                 <p:cNvPr id="100" name="TextBox 99">
@@ -7607,7 +7665,7 @@
                   <a:avLst/>
                 </a:prstGeom>
                 <a:blipFill>
-                  <a:blip r:embed="rId10"/>
+                  <a:blip r:embed="rId12"/>
                   <a:stretch>
                     <a:fillRect l="-1732" t="-3333" b="-26667"/>
                   </a:stretch>
@@ -7630,35 +7688,6 @@
         </mc:AlternateContent>
         <p:pic>
           <p:nvPicPr>
-            <p:cNvPr id="101" name="Picture 100">
-              <a:extLst>
-                <a:ext uri="{FF2B5EF4-FFF2-40B4-BE49-F238E27FC236}">
-                  <a16:creationId xmlns:a16="http://schemas.microsoft.com/office/drawing/2014/main" id="{55A73AF9-C1AE-B941-A3C0-0442454EA1E4}"/>
-                </a:ext>
-              </a:extLst>
-            </p:cNvPr>
-            <p:cNvPicPr>
-              <a:picLocks noChangeAspect="1"/>
-            </p:cNvPicPr>
-            <p:nvPr/>
-          </p:nvPicPr>
-          <p:blipFill rotWithShape="1">
-            <a:blip r:embed="rId8"/>
-            <a:srcRect t="-2781" r="82333"/>
-            <a:stretch/>
-          </p:blipFill>
-          <p:spPr>
-            <a:xfrm>
-              <a:off x="8196826" y="436159"/>
-              <a:ext cx="323102" cy="234959"/>
-            </a:xfrm>
-            <a:prstGeom prst="rect">
-              <a:avLst/>
-            </a:prstGeom>
-          </p:spPr>
-        </p:pic>
-        <p:pic>
-          <p:nvPicPr>
             <p:cNvPr id="102" name="Picture 101">
               <a:extLst>
                 <a:ext uri="{FF2B5EF4-FFF2-40B4-BE49-F238E27FC236}">
@@ -7672,20 +7701,402 @@
             <p:nvPr/>
           </p:nvPicPr>
           <p:blipFill rotWithShape="1">
-            <a:blip r:embed="rId8"/>
-            <a:srcRect l="81382" t="-9047" b="2"/>
+            <a:blip r:embed="rId10"/>
+            <a:srcRect l="81382" t="-2782" r="969" b="1"/>
             <a:stretch/>
           </p:blipFill>
           <p:spPr>
             <a:xfrm>
-              <a:off x="8200103" y="747316"/>
-              <a:ext cx="340494" cy="249279"/>
+              <a:off x="8202972" y="815240"/>
+              <a:ext cx="322782" cy="234959"/>
             </a:xfrm>
             <a:prstGeom prst="rect">
               <a:avLst/>
             </a:prstGeom>
           </p:spPr>
         </p:pic>
+      </p:grpSp>
+      <p:grpSp>
+        <p:nvGrpSpPr>
+          <p:cNvPr id="12" name="Group 11">
+            <a:extLst>
+              <a:ext uri="{FF2B5EF4-FFF2-40B4-BE49-F238E27FC236}">
+                <a16:creationId xmlns:a16="http://schemas.microsoft.com/office/drawing/2014/main" id="{821D9ED1-0F7A-A147-B8A0-DBABF0AB4FE9}"/>
+              </a:ext>
+            </a:extLst>
+          </p:cNvPr>
+          <p:cNvGrpSpPr/>
+          <p:nvPr/>
+        </p:nvGrpSpPr>
+        <p:grpSpPr>
+          <a:xfrm>
+            <a:off x="8226562" y="1120056"/>
+            <a:ext cx="3325251" cy="369332"/>
+            <a:chOff x="8211830" y="1079704"/>
+            <a:chExt cx="3325251" cy="369332"/>
+          </a:xfrm>
+        </p:grpSpPr>
+        <p:sp>
+          <p:nvSpPr>
+            <p:cNvPr id="89" name="Triangle 88">
+              <a:extLst>
+                <a:ext uri="{FF2B5EF4-FFF2-40B4-BE49-F238E27FC236}">
+                  <a16:creationId xmlns:a16="http://schemas.microsoft.com/office/drawing/2014/main" id="{C3554BF2-F5D5-4F4C-B4C5-74CA3B078F35}"/>
+                </a:ext>
+              </a:extLst>
+            </p:cNvPr>
+            <p:cNvSpPr/>
+            <p:nvPr/>
+          </p:nvSpPr>
+          <p:spPr>
+            <a:xfrm rot="5400000">
+              <a:off x="8281913" y="1124238"/>
+              <a:ext cx="164901" cy="305068"/>
+            </a:xfrm>
+            <a:prstGeom prst="triangle">
+              <a:avLst/>
+            </a:prstGeom>
+            <a:solidFill>
+              <a:srgbClr val="FFC000"/>
+            </a:solidFill>
+            <a:ln>
+              <a:solidFill>
+                <a:schemeClr val="tx1"/>
+              </a:solidFill>
+            </a:ln>
+          </p:spPr>
+          <p:style>
+            <a:lnRef idx="2">
+              <a:schemeClr val="accent1">
+                <a:shade val="50000"/>
+              </a:schemeClr>
+            </a:lnRef>
+            <a:fillRef idx="1">
+              <a:schemeClr val="accent1"/>
+            </a:fillRef>
+            <a:effectRef idx="0">
+              <a:schemeClr val="accent1"/>
+            </a:effectRef>
+            <a:fontRef idx="minor">
+              <a:schemeClr val="lt1"/>
+            </a:fontRef>
+          </p:style>
+          <p:txBody>
+            <a:bodyPr rtlCol="0" anchor="ctr"/>
+            <a:lstStyle/>
+            <a:p>
+              <a:pPr algn="ctr"/>
+              <a:endParaRPr lang="en-US"/>
+            </a:p>
+          </p:txBody>
+        </p:sp>
+        <mc:AlternateContent xmlns:mc="http://schemas.openxmlformats.org/markup-compatibility/2006">
+          <mc:Choice xmlns:a14="http://schemas.microsoft.com/office/drawing/2010/main" Requires="a14">
+            <p:sp>
+              <p:nvSpPr>
+                <p:cNvPr id="95" name="TextBox 94">
+                  <a:extLst>
+                    <a:ext uri="{FF2B5EF4-FFF2-40B4-BE49-F238E27FC236}">
+                      <a16:creationId xmlns:a16="http://schemas.microsoft.com/office/drawing/2014/main" id="{65DDEF7F-3FF9-004E-A887-6551B1116B4A}"/>
+                    </a:ext>
+                  </a:extLst>
+                </p:cNvPr>
+                <p:cNvSpPr txBox="1"/>
+                <p:nvPr/>
+              </p:nvSpPr>
+              <p:spPr>
+                <a:xfrm>
+                  <a:off x="8620410" y="1079704"/>
+                  <a:ext cx="2916671" cy="369332"/>
+                </a:xfrm>
+                <a:prstGeom prst="rect">
+                  <a:avLst/>
+                </a:prstGeom>
+                <a:noFill/>
+              </p:spPr>
+              <p:txBody>
+                <a:bodyPr wrap="square" rtlCol="0">
+                  <a:spAutoFit/>
+                </a:bodyPr>
+                <a:lstStyle/>
+                <a:p>
+                  <a:r>
+                    <a:rPr lang="en-US" altLang="zh-CN" dirty="0">
+                      <a:latin typeface="DM Sans" pitchFamily="2" charset="77"/>
+                    </a:rPr>
+                    <a:t>Vehicle</a:t>
+                  </a:r>
+                  <a:r>
+                    <a:rPr lang="zh-CN" altLang="en-US" dirty="0">
+                      <a:latin typeface="DM Sans" pitchFamily="2" charset="77"/>
+                    </a:rPr>
+                    <a:t> </a:t>
+                  </a:r>
+                  <a:r>
+                    <a:rPr lang="en-US" altLang="zh-CN" dirty="0">
+                      <a:latin typeface="DM Sans" pitchFamily="2" charset="77"/>
+                    </a:rPr>
+                    <a:t>type</a:t>
+                  </a:r>
+                  <a:r>
+                    <a:rPr lang="zh-CN" altLang="en-US" dirty="0">
+                      <a:latin typeface="DM Sans" pitchFamily="2" charset="77"/>
+                    </a:rPr>
+                    <a:t> </a:t>
+                  </a:r>
+                  <a14:m>
+                    <m:oMath xmlns:m="http://schemas.openxmlformats.org/officeDocument/2006/math">
+                      <m:r>
+                        <a:rPr lang="en-US" altLang="zh-CN" b="0" i="1" dirty="0" smtClean="0">
+                          <a:latin typeface="Cambria Math" panose="02040503050406030204" pitchFamily="18" charset="0"/>
+                        </a:rPr>
+                        <m:t>𝑗</m:t>
+                      </m:r>
+                    </m:oMath>
+                  </a14:m>
+                  <a:endParaRPr lang="en-US" dirty="0">
+                    <a:latin typeface="DM Sans" pitchFamily="2" charset="77"/>
+                  </a:endParaRPr>
+                </a:p>
+              </p:txBody>
+            </p:sp>
+          </mc:Choice>
+          <mc:Fallback>
+            <p:sp>
+              <p:nvSpPr>
+                <p:cNvPr id="95" name="TextBox 94">
+                  <a:extLst>
+                    <a:ext uri="{FF2B5EF4-FFF2-40B4-BE49-F238E27FC236}">
+                      <a16:creationId xmlns:a16="http://schemas.microsoft.com/office/drawing/2014/main" id="{65DDEF7F-3FF9-004E-A887-6551B1116B4A}"/>
+                    </a:ext>
+                  </a:extLst>
+                </p:cNvPr>
+                <p:cNvSpPr txBox="1">
+                  <a:spLocks noRot="1" noChangeAspect="1" noMove="1" noResize="1" noEditPoints="1" noAdjustHandles="1" noChangeArrowheads="1" noChangeShapeType="1" noTextEdit="1"/>
+                </p:cNvSpPr>
+                <p:nvPr/>
+              </p:nvSpPr>
+              <p:spPr>
+                <a:xfrm>
+                  <a:off x="8620410" y="1079704"/>
+                  <a:ext cx="2916671" cy="369332"/>
+                </a:xfrm>
+                <a:prstGeom prst="rect">
+                  <a:avLst/>
+                </a:prstGeom>
+                <a:blipFill>
+                  <a:blip r:embed="rId13"/>
+                  <a:stretch>
+                    <a:fillRect l="-2174" t="-6667" b="-23333"/>
+                  </a:stretch>
+                </a:blipFill>
+              </p:spPr>
+              <p:txBody>
+                <a:bodyPr/>
+                <a:lstStyle/>
+                <a:p>
+                  <a:r>
+                    <a:rPr lang="en-US">
+                      <a:noFill/>
+                    </a:rPr>
+                    <a:t> </a:t>
+                  </a:r>
+                </a:p>
+              </p:txBody>
+            </p:sp>
+          </mc:Fallback>
+        </mc:AlternateContent>
+      </p:grpSp>
+      <p:grpSp>
+        <p:nvGrpSpPr>
+          <p:cNvPr id="13" name="Group 12">
+            <a:extLst>
+              <a:ext uri="{FF2B5EF4-FFF2-40B4-BE49-F238E27FC236}">
+                <a16:creationId xmlns:a16="http://schemas.microsoft.com/office/drawing/2014/main" id="{CED4E2DA-DD0E-F34C-B718-92CC392CE347}"/>
+              </a:ext>
+            </a:extLst>
+          </p:cNvPr>
+          <p:cNvGrpSpPr/>
+          <p:nvPr/>
+        </p:nvGrpSpPr>
+        <p:grpSpPr>
+          <a:xfrm>
+            <a:off x="8226562" y="1498844"/>
+            <a:ext cx="3325251" cy="369332"/>
+            <a:chOff x="8211830" y="1403844"/>
+            <a:chExt cx="3325251" cy="369332"/>
+          </a:xfrm>
+        </p:grpSpPr>
+        <p:sp>
+          <p:nvSpPr>
+            <p:cNvPr id="93" name="Triangle 92">
+              <a:extLst>
+                <a:ext uri="{FF2B5EF4-FFF2-40B4-BE49-F238E27FC236}">
+                  <a16:creationId xmlns:a16="http://schemas.microsoft.com/office/drawing/2014/main" id="{E1499933-B81D-AC46-BB44-CEE6B70DB698}"/>
+                </a:ext>
+              </a:extLst>
+            </p:cNvPr>
+            <p:cNvSpPr/>
+            <p:nvPr/>
+          </p:nvSpPr>
+          <p:spPr>
+            <a:xfrm rot="5400000">
+              <a:off x="8281913" y="1433260"/>
+              <a:ext cx="164901" cy="305068"/>
+            </a:xfrm>
+            <a:prstGeom prst="triangle">
+              <a:avLst/>
+            </a:prstGeom>
+            <a:solidFill>
+              <a:srgbClr val="FF0000"/>
+            </a:solidFill>
+            <a:ln>
+              <a:solidFill>
+                <a:schemeClr val="tx1"/>
+              </a:solidFill>
+            </a:ln>
+          </p:spPr>
+          <p:style>
+            <a:lnRef idx="2">
+              <a:schemeClr val="accent1">
+                <a:shade val="50000"/>
+              </a:schemeClr>
+            </a:lnRef>
+            <a:fillRef idx="1">
+              <a:schemeClr val="accent1"/>
+            </a:fillRef>
+            <a:effectRef idx="0">
+              <a:schemeClr val="accent1"/>
+            </a:effectRef>
+            <a:fontRef idx="minor">
+              <a:schemeClr val="lt1"/>
+            </a:fontRef>
+          </p:style>
+          <p:txBody>
+            <a:bodyPr rtlCol="0" anchor="ctr"/>
+            <a:lstStyle/>
+            <a:p>
+              <a:pPr algn="ctr"/>
+              <a:endParaRPr lang="en-US"/>
+            </a:p>
+          </p:txBody>
+        </p:sp>
+        <mc:AlternateContent xmlns:mc="http://schemas.openxmlformats.org/markup-compatibility/2006">
+          <mc:Choice xmlns:a14="http://schemas.microsoft.com/office/drawing/2010/main" Requires="a14">
+            <p:sp>
+              <p:nvSpPr>
+                <p:cNvPr id="97" name="TextBox 96">
+                  <a:extLst>
+                    <a:ext uri="{FF2B5EF4-FFF2-40B4-BE49-F238E27FC236}">
+                      <a16:creationId xmlns:a16="http://schemas.microsoft.com/office/drawing/2014/main" id="{F6CD7467-3190-D541-AF4E-8379BA7A1FDB}"/>
+                    </a:ext>
+                  </a:extLst>
+                </p:cNvPr>
+                <p:cNvSpPr txBox="1"/>
+                <p:nvPr/>
+              </p:nvSpPr>
+              <p:spPr>
+                <a:xfrm>
+                  <a:off x="8620410" y="1403844"/>
+                  <a:ext cx="2916671" cy="369332"/>
+                </a:xfrm>
+                <a:prstGeom prst="rect">
+                  <a:avLst/>
+                </a:prstGeom>
+                <a:noFill/>
+              </p:spPr>
+              <p:txBody>
+                <a:bodyPr wrap="square" rtlCol="0">
+                  <a:spAutoFit/>
+                </a:bodyPr>
+                <a:lstStyle/>
+                <a:p>
+                  <a:r>
+                    <a:rPr lang="en-US" altLang="zh-CN" dirty="0">
+                      <a:latin typeface="DM Sans" pitchFamily="2" charset="77"/>
+                    </a:rPr>
+                    <a:t>Vehicle</a:t>
+                  </a:r>
+                  <a:r>
+                    <a:rPr lang="zh-CN" altLang="en-US" dirty="0">
+                      <a:latin typeface="DM Sans" pitchFamily="2" charset="77"/>
+                    </a:rPr>
+                    <a:t> </a:t>
+                  </a:r>
+                  <a:r>
+                    <a:rPr lang="en-US" altLang="zh-CN" dirty="0">
+                      <a:latin typeface="DM Sans" pitchFamily="2" charset="77"/>
+                    </a:rPr>
+                    <a:t>type</a:t>
+                  </a:r>
+                  <a:r>
+                    <a:rPr lang="zh-CN" altLang="en-US" dirty="0">
+                      <a:latin typeface="DM Sans" pitchFamily="2" charset="77"/>
+                    </a:rPr>
+                    <a:t> </a:t>
+                  </a:r>
+                  <a14:m>
+                    <m:oMath xmlns:m="http://schemas.openxmlformats.org/officeDocument/2006/math">
+                      <m:r>
+                        <a:rPr lang="en-US" altLang="zh-CN" b="0" i="1" smtClean="0">
+                          <a:latin typeface="Cambria Math" panose="02040503050406030204" pitchFamily="18" charset="0"/>
+                        </a:rPr>
+                        <m:t>𝑘</m:t>
+                      </m:r>
+                    </m:oMath>
+                  </a14:m>
+                  <a:endParaRPr lang="en-US" dirty="0">
+                    <a:latin typeface="DM Sans" pitchFamily="2" charset="77"/>
+                  </a:endParaRPr>
+                </a:p>
+              </p:txBody>
+            </p:sp>
+          </mc:Choice>
+          <mc:Fallback>
+            <p:sp>
+              <p:nvSpPr>
+                <p:cNvPr id="97" name="TextBox 96">
+                  <a:extLst>
+                    <a:ext uri="{FF2B5EF4-FFF2-40B4-BE49-F238E27FC236}">
+                      <a16:creationId xmlns:a16="http://schemas.microsoft.com/office/drawing/2014/main" id="{F6CD7467-3190-D541-AF4E-8379BA7A1FDB}"/>
+                    </a:ext>
+                  </a:extLst>
+                </p:cNvPr>
+                <p:cNvSpPr txBox="1">
+                  <a:spLocks noRot="1" noChangeAspect="1" noMove="1" noResize="1" noEditPoints="1" noAdjustHandles="1" noChangeArrowheads="1" noChangeShapeType="1" noTextEdit="1"/>
+                </p:cNvSpPr>
+                <p:nvPr/>
+              </p:nvSpPr>
+              <p:spPr>
+                <a:xfrm>
+                  <a:off x="8620410" y="1403844"/>
+                  <a:ext cx="2916671" cy="369332"/>
+                </a:xfrm>
+                <a:prstGeom prst="rect">
+                  <a:avLst/>
+                </a:prstGeom>
+                <a:blipFill>
+                  <a:blip r:embed="rId14"/>
+                  <a:stretch>
+                    <a:fillRect l="-2174" t="-6897" b="-31034"/>
+                  </a:stretch>
+                </a:blipFill>
+              </p:spPr>
+              <p:txBody>
+                <a:bodyPr/>
+                <a:lstStyle/>
+                <a:p>
+                  <a:r>
+                    <a:rPr lang="en-US">
+                      <a:noFill/>
+                    </a:rPr>
+                    <a:t> </a:t>
+                  </a:r>
+                </a:p>
+              </p:txBody>
+            </p:sp>
+          </mc:Fallback>
+        </mc:AlternateContent>
       </p:grpSp>
     </p:spTree>
     <p:extLst>
